--- a/PuttPuttGolfPresentation.pptx
+++ b/PuttPuttGolfPresentation.pptx
@@ -5,10 +5,10 @@
     <p:sldMasterId id="2147483664" r:id="rId1"/>
   </p:sldMasterIdLst>
   <p:notesMasterIdLst>
-    <p:notesMasterId r:id="rId16"/>
+    <p:notesMasterId r:id="rId17"/>
   </p:notesMasterIdLst>
   <p:handoutMasterIdLst>
-    <p:handoutMasterId r:id="rId17"/>
+    <p:handoutMasterId r:id="rId18"/>
   </p:handoutMasterIdLst>
   <p:sldIdLst>
     <p:sldId id="256" r:id="rId2"/>
@@ -17,14 +17,15 @@
     <p:sldId id="262" r:id="rId5"/>
     <p:sldId id="258" r:id="rId6"/>
     <p:sldId id="266" r:id="rId7"/>
-    <p:sldId id="268" r:id="rId8"/>
+    <p:sldId id="270" r:id="rId8"/>
     <p:sldId id="269" r:id="rId9"/>
-    <p:sldId id="259" r:id="rId10"/>
-    <p:sldId id="260" r:id="rId11"/>
-    <p:sldId id="261" r:id="rId12"/>
-    <p:sldId id="267" r:id="rId13"/>
-    <p:sldId id="265" r:id="rId14"/>
-    <p:sldId id="263" r:id="rId15"/>
+    <p:sldId id="268" r:id="rId10"/>
+    <p:sldId id="259" r:id="rId11"/>
+    <p:sldId id="260" r:id="rId12"/>
+    <p:sldId id="261" r:id="rId13"/>
+    <p:sldId id="267" r:id="rId14"/>
+    <p:sldId id="265" r:id="rId15"/>
+    <p:sldId id="263" r:id="rId16"/>
   </p:sldIdLst>
   <p:sldSz cx="12192000" cy="6858000"/>
   <p:notesSz cx="6858000" cy="9144000"/>
@@ -134,8 +135,9 @@
             <p14:sldId id="262"/>
             <p14:sldId id="258"/>
             <p14:sldId id="266"/>
+            <p14:sldId id="270"/>
+            <p14:sldId id="269"/>
             <p14:sldId id="268"/>
-            <p14:sldId id="269"/>
             <p14:sldId id="259"/>
             <p14:sldId id="260"/>
             <p14:sldId id="261"/>
@@ -4335,7 +4337,7 @@
           <p:cNvPr id="2" name="Text Placeholder 1">
             <a:extLst>
               <a:ext uri="{FF2B5EF4-FFF2-40B4-BE49-F238E27FC236}">
-                <a16:creationId xmlns:a16="http://schemas.microsoft.com/office/drawing/2014/main" id="{FF5EC346-9D5A-E146-B3C7-8ED6273BE9EA}"/>
+                <a16:creationId xmlns:a16="http://schemas.microsoft.com/office/drawing/2014/main" id="{41B47813-A61E-E047-A9DE-995DE93F6370}"/>
               </a:ext>
             </a:extLst>
           </p:cNvPr>
@@ -4360,32 +4362,7 @@
           <p:cNvPr id="3" name="Content Placeholder 2">
             <a:extLst>
               <a:ext uri="{FF2B5EF4-FFF2-40B4-BE49-F238E27FC236}">
-                <a16:creationId xmlns:a16="http://schemas.microsoft.com/office/drawing/2014/main" id="{8C90A76D-AF14-FE41-9A69-8F05E833B893}"/>
-              </a:ext>
-            </a:extLst>
-          </p:cNvPr>
-          <p:cNvSpPr>
-            <a:spLocks noGrp="1"/>
-          </p:cNvSpPr>
-          <p:nvPr>
-            <p:ph sz="quarter" idx="15"/>
-          </p:nvPr>
-        </p:nvSpPr>
-        <p:spPr/>
-        <p:txBody>
-          <a:bodyPr/>
-          <a:lstStyle/>
-          <a:p>
-            <a:endParaRPr lang="en-US"/>
-          </a:p>
-        </p:txBody>
-      </p:sp>
-      <p:sp>
-        <p:nvSpPr>
-          <p:cNvPr id="4" name="Content Placeholder 3">
-            <a:extLst>
-              <a:ext uri="{FF2B5EF4-FFF2-40B4-BE49-F238E27FC236}">
-                <a16:creationId xmlns:a16="http://schemas.microsoft.com/office/drawing/2014/main" id="{DAC3AF72-7EFF-B94B-9E22-E7669FAD50FE}"/>
+                <a16:creationId xmlns:a16="http://schemas.microsoft.com/office/drawing/2014/main" id="{FBB951C8-6CC5-484B-92CD-1CD84ED1CF16}"/>
               </a:ext>
             </a:extLst>
           </p:cNvPr>
@@ -4408,7 +4385,7 @@
     </p:spTree>
     <p:extLst>
       <p:ext uri="{BB962C8B-B14F-4D97-AF65-F5344CB8AC3E}">
-        <p14:creationId xmlns:p14="http://schemas.microsoft.com/office/powerpoint/2010/main" val="2753799178"/>
+        <p14:creationId xmlns:p14="http://schemas.microsoft.com/office/powerpoint/2010/main" val="119620541"/>
       </p:ext>
     </p:extLst>
   </p:cSld>
@@ -4440,7 +4417,7 @@
           <p:cNvPr id="2" name="Text Placeholder 1">
             <a:extLst>
               <a:ext uri="{FF2B5EF4-FFF2-40B4-BE49-F238E27FC236}">
-                <a16:creationId xmlns:a16="http://schemas.microsoft.com/office/drawing/2014/main" id="{52FEE8B2-8A77-BE42-B8CC-CDE1A26D3428}"/>
+                <a16:creationId xmlns:a16="http://schemas.microsoft.com/office/drawing/2014/main" id="{FF5EC346-9D5A-E146-B3C7-8ED6273BE9EA}"/>
               </a:ext>
             </a:extLst>
           </p:cNvPr>
@@ -4462,60 +4439,10 @@
       </p:sp>
       <p:sp>
         <p:nvSpPr>
-          <p:cNvPr id="3" name="Text Placeholder 2">
-            <a:extLst>
-              <a:ext uri="{FF2B5EF4-FFF2-40B4-BE49-F238E27FC236}">
-                <a16:creationId xmlns:a16="http://schemas.microsoft.com/office/drawing/2014/main" id="{220B165F-76E2-194A-B3E9-4E7AEB61A4D5}"/>
-              </a:ext>
-            </a:extLst>
-          </p:cNvPr>
-          <p:cNvSpPr>
-            <a:spLocks noGrp="1"/>
-          </p:cNvSpPr>
-          <p:nvPr>
-            <p:ph type="body" sz="quarter" idx="10"/>
-          </p:nvPr>
-        </p:nvSpPr>
-        <p:spPr/>
-        <p:txBody>
-          <a:bodyPr/>
-          <a:lstStyle/>
-          <a:p>
-            <a:endParaRPr lang="en-US"/>
-          </a:p>
-        </p:txBody>
-      </p:sp>
-      <p:sp>
-        <p:nvSpPr>
-          <p:cNvPr id="4" name="Text Placeholder 3">
-            <a:extLst>
-              <a:ext uri="{FF2B5EF4-FFF2-40B4-BE49-F238E27FC236}">
-                <a16:creationId xmlns:a16="http://schemas.microsoft.com/office/drawing/2014/main" id="{0EC38063-DC52-0B49-A383-166F57AF2182}"/>
-              </a:ext>
-            </a:extLst>
-          </p:cNvPr>
-          <p:cNvSpPr>
-            <a:spLocks noGrp="1"/>
-          </p:cNvSpPr>
-          <p:nvPr>
-            <p:ph type="body" sz="quarter" idx="14"/>
-          </p:nvPr>
-        </p:nvSpPr>
-        <p:spPr/>
-        <p:txBody>
-          <a:bodyPr/>
-          <a:lstStyle/>
-          <a:p>
-            <a:endParaRPr lang="en-US"/>
-          </a:p>
-        </p:txBody>
-      </p:sp>
-      <p:sp>
-        <p:nvSpPr>
-          <p:cNvPr id="5" name="Content Placeholder 4">
-            <a:extLst>
-              <a:ext uri="{FF2B5EF4-FFF2-40B4-BE49-F238E27FC236}">
-                <a16:creationId xmlns:a16="http://schemas.microsoft.com/office/drawing/2014/main" id="{4DDD7727-9A5A-C14F-8DAF-D05EFF822CBA}"/>
+          <p:cNvPr id="3" name="Content Placeholder 2">
+            <a:extLst>
+              <a:ext uri="{FF2B5EF4-FFF2-40B4-BE49-F238E27FC236}">
+                <a16:creationId xmlns:a16="http://schemas.microsoft.com/office/drawing/2014/main" id="{8C90A76D-AF14-FE41-9A69-8F05E833B893}"/>
               </a:ext>
             </a:extLst>
           </p:cNvPr>
@@ -4535,10 +4462,35 @@
           </a:p>
         </p:txBody>
       </p:sp>
+      <p:sp>
+        <p:nvSpPr>
+          <p:cNvPr id="4" name="Content Placeholder 3">
+            <a:extLst>
+              <a:ext uri="{FF2B5EF4-FFF2-40B4-BE49-F238E27FC236}">
+                <a16:creationId xmlns:a16="http://schemas.microsoft.com/office/drawing/2014/main" id="{DAC3AF72-7EFF-B94B-9E22-E7669FAD50FE}"/>
+              </a:ext>
+            </a:extLst>
+          </p:cNvPr>
+          <p:cNvSpPr>
+            <a:spLocks noGrp="1"/>
+          </p:cNvSpPr>
+          <p:nvPr>
+            <p:ph sz="quarter" idx="16"/>
+          </p:nvPr>
+        </p:nvSpPr>
+        <p:spPr/>
+        <p:txBody>
+          <a:bodyPr/>
+          <a:lstStyle/>
+          <a:p>
+            <a:endParaRPr lang="en-US"/>
+          </a:p>
+        </p:txBody>
+      </p:sp>
     </p:spTree>
     <p:extLst>
       <p:ext uri="{BB962C8B-B14F-4D97-AF65-F5344CB8AC3E}">
-        <p14:creationId xmlns:p14="http://schemas.microsoft.com/office/powerpoint/2010/main" val="3364062803"/>
+        <p14:creationId xmlns:p14="http://schemas.microsoft.com/office/powerpoint/2010/main" val="2753799178"/>
       </p:ext>
     </p:extLst>
   </p:cSld>
@@ -4567,10 +4519,60 @@
       </p:grpSpPr>
       <p:sp>
         <p:nvSpPr>
+          <p:cNvPr id="2" name="Text Placeholder 1">
+            <a:extLst>
+              <a:ext uri="{FF2B5EF4-FFF2-40B4-BE49-F238E27FC236}">
+                <a16:creationId xmlns:a16="http://schemas.microsoft.com/office/drawing/2014/main" id="{52FEE8B2-8A77-BE42-B8CC-CDE1A26D3428}"/>
+              </a:ext>
+            </a:extLst>
+          </p:cNvPr>
+          <p:cNvSpPr>
+            <a:spLocks noGrp="1"/>
+          </p:cNvSpPr>
+          <p:nvPr>
+            <p:ph type="body" sz="quarter" idx="13"/>
+          </p:nvPr>
+        </p:nvSpPr>
+        <p:spPr/>
+        <p:txBody>
+          <a:bodyPr/>
+          <a:lstStyle/>
+          <a:p>
+            <a:endParaRPr lang="en-US"/>
+          </a:p>
+        </p:txBody>
+      </p:sp>
+      <p:sp>
+        <p:nvSpPr>
           <p:cNvPr id="3" name="Text Placeholder 2">
             <a:extLst>
               <a:ext uri="{FF2B5EF4-FFF2-40B4-BE49-F238E27FC236}">
-                <a16:creationId xmlns:a16="http://schemas.microsoft.com/office/drawing/2014/main" id="{9A8FE9B2-DF60-4260-9FEA-DC59F1B46EAD}"/>
+                <a16:creationId xmlns:a16="http://schemas.microsoft.com/office/drawing/2014/main" id="{220B165F-76E2-194A-B3E9-4E7AEB61A4D5}"/>
+              </a:ext>
+            </a:extLst>
+          </p:cNvPr>
+          <p:cNvSpPr>
+            <a:spLocks noGrp="1"/>
+          </p:cNvSpPr>
+          <p:nvPr>
+            <p:ph type="body" sz="quarter" idx="10"/>
+          </p:nvPr>
+        </p:nvSpPr>
+        <p:spPr/>
+        <p:txBody>
+          <a:bodyPr/>
+          <a:lstStyle/>
+          <a:p>
+            <a:endParaRPr lang="en-US"/>
+          </a:p>
+        </p:txBody>
+      </p:sp>
+      <p:sp>
+        <p:nvSpPr>
+          <p:cNvPr id="4" name="Text Placeholder 3">
+            <a:extLst>
+              <a:ext uri="{FF2B5EF4-FFF2-40B4-BE49-F238E27FC236}">
+                <a16:creationId xmlns:a16="http://schemas.microsoft.com/office/drawing/2014/main" id="{0EC38063-DC52-0B49-A383-166F57AF2182}"/>
               </a:ext>
             </a:extLst>
           </p:cNvPr>
@@ -4586,19 +4588,16 @@
           <a:bodyPr/>
           <a:lstStyle/>
           <a:p>
-            <a:r>
-              <a:rPr lang="en-US" dirty="0"/>
-              <a:t>Expanding to 9 holes</a:t>
-            </a:r>
-          </a:p>
-        </p:txBody>
-      </p:sp>
-      <p:sp>
-        <p:nvSpPr>
-          <p:cNvPr id="4" name="Text Placeholder 3">
-            <a:extLst>
-              <a:ext uri="{FF2B5EF4-FFF2-40B4-BE49-F238E27FC236}">
-                <a16:creationId xmlns:a16="http://schemas.microsoft.com/office/drawing/2014/main" id="{66F342C5-119E-4A0E-8A52-C62CE007D27D}"/>
+            <a:endParaRPr lang="en-US"/>
+          </a:p>
+        </p:txBody>
+      </p:sp>
+      <p:sp>
+        <p:nvSpPr>
+          <p:cNvPr id="5" name="Content Placeholder 4">
+            <a:extLst>
+              <a:ext uri="{FF2B5EF4-FFF2-40B4-BE49-F238E27FC236}">
+                <a16:creationId xmlns:a16="http://schemas.microsoft.com/office/drawing/2014/main" id="{4DDD7727-9A5A-C14F-8DAF-D05EFF822CBA}"/>
               </a:ext>
             </a:extLst>
           </p:cNvPr>
@@ -4606,7 +4605,7 @@
             <a:spLocks noGrp="1"/>
           </p:cNvSpPr>
           <p:nvPr>
-            <p:ph type="body" sz="quarter" idx="15"/>
+            <p:ph sz="quarter" idx="15"/>
           </p:nvPr>
         </p:nvSpPr>
         <p:spPr/>
@@ -4614,111 +4613,14 @@
           <a:bodyPr/>
           <a:lstStyle/>
           <a:p>
-            <a:r>
-              <a:rPr lang="en-US" dirty="0"/>
-              <a:t>Build the green in Blender</a:t>
-            </a:r>
-          </a:p>
-          <a:p>
-            <a:r>
-              <a:rPr lang="en-US" dirty="0"/>
-              <a:t>Import to unity and add materials</a:t>
-            </a:r>
-          </a:p>
-        </p:txBody>
-      </p:sp>
-      <p:pic>
-        <p:nvPicPr>
-          <p:cNvPr id="5" name="Picture 4">
-            <a:extLst>
-              <a:ext uri="{FF2B5EF4-FFF2-40B4-BE49-F238E27FC236}">
-                <a16:creationId xmlns:a16="http://schemas.microsoft.com/office/drawing/2014/main" id="{D229CE63-9B7E-48BB-875F-D141499CAF05}"/>
-              </a:ext>
-            </a:extLst>
-          </p:cNvPr>
-          <p:cNvPicPr>
-            <a:picLocks noChangeAspect="1"/>
-          </p:cNvPicPr>
-          <p:nvPr/>
-        </p:nvPicPr>
-        <p:blipFill rotWithShape="1">
-          <a:blip r:embed="rId2"/>
-          <a:srcRect r="3741"/>
-          <a:stretch/>
-        </p:blipFill>
-        <p:spPr>
-          <a:xfrm>
-            <a:off x="450137" y="3244956"/>
-            <a:ext cx="5391863" cy="3014940"/>
-          </a:xfrm>
-          <a:prstGeom prst="rect">
-            <a:avLst/>
-          </a:prstGeom>
-        </p:spPr>
-      </p:pic>
-      <p:pic>
-        <p:nvPicPr>
-          <p:cNvPr id="6" name="Picture 5">
-            <a:extLst>
-              <a:ext uri="{FF2B5EF4-FFF2-40B4-BE49-F238E27FC236}">
-                <a16:creationId xmlns:a16="http://schemas.microsoft.com/office/drawing/2014/main" id="{D04D7621-CE1E-4145-BA26-1785C007BC25}"/>
-              </a:ext>
-            </a:extLst>
-          </p:cNvPr>
-          <p:cNvPicPr>
-            <a:picLocks noChangeAspect="1"/>
-          </p:cNvPicPr>
-          <p:nvPr/>
-        </p:nvPicPr>
-        <p:blipFill>
-          <a:blip r:embed="rId3"/>
-          <a:stretch>
-            <a:fillRect/>
-          </a:stretch>
-        </p:blipFill>
-        <p:spPr>
-          <a:xfrm>
-            <a:off x="5842000" y="3244956"/>
-            <a:ext cx="5899863" cy="3018534"/>
-          </a:xfrm>
-          <a:prstGeom prst="rect">
-            <a:avLst/>
-          </a:prstGeom>
-        </p:spPr>
-      </p:pic>
-      <p:pic>
-        <p:nvPicPr>
-          <p:cNvPr id="7" name="Picture 6">
-            <a:extLst>
-              <a:ext uri="{FF2B5EF4-FFF2-40B4-BE49-F238E27FC236}">
-                <a16:creationId xmlns:a16="http://schemas.microsoft.com/office/drawing/2014/main" id="{3E4C9B93-3ACD-4069-887D-F9792425F20B}"/>
-              </a:ext>
-            </a:extLst>
-          </p:cNvPr>
-          <p:cNvPicPr>
-            <a:picLocks noChangeAspect="1"/>
-          </p:cNvPicPr>
-          <p:nvPr/>
-        </p:nvPicPr>
-        <p:blipFill rotWithShape="1">
-          <a:blip r:embed="rId2"/>
-          <a:srcRect l="82769" t="25271" r="3740" b="58933"/>
-          <a:stretch/>
-        </p:blipFill>
-        <p:spPr>
-          <a:xfrm>
-            <a:off x="5391863" y="3345194"/>
-            <a:ext cx="755650" cy="769606"/>
-          </a:xfrm>
-          <a:prstGeom prst="rect">
-            <a:avLst/>
-          </a:prstGeom>
-        </p:spPr>
-      </p:pic>
+            <a:endParaRPr lang="en-US"/>
+          </a:p>
+        </p:txBody>
+      </p:sp>
     </p:spTree>
     <p:extLst>
       <p:ext uri="{BB962C8B-B14F-4D97-AF65-F5344CB8AC3E}">
-        <p14:creationId xmlns:p14="http://schemas.microsoft.com/office/powerpoint/2010/main" val="2060814654"/>
+        <p14:creationId xmlns:p14="http://schemas.microsoft.com/office/powerpoint/2010/main" val="3364062803"/>
       </p:ext>
     </p:extLst>
   </p:cSld>
@@ -4745,6 +4647,186 @@
           <a:chExt cx="0" cy="0"/>
         </a:xfrm>
       </p:grpSpPr>
+      <p:sp>
+        <p:nvSpPr>
+          <p:cNvPr id="3" name="Text Placeholder 2">
+            <a:extLst>
+              <a:ext uri="{FF2B5EF4-FFF2-40B4-BE49-F238E27FC236}">
+                <a16:creationId xmlns:a16="http://schemas.microsoft.com/office/drawing/2014/main" id="{9A8FE9B2-DF60-4260-9FEA-DC59F1B46EAD}"/>
+              </a:ext>
+            </a:extLst>
+          </p:cNvPr>
+          <p:cNvSpPr>
+            <a:spLocks noGrp="1"/>
+          </p:cNvSpPr>
+          <p:nvPr>
+            <p:ph type="body" sz="quarter" idx="14"/>
+          </p:nvPr>
+        </p:nvSpPr>
+        <p:spPr/>
+        <p:txBody>
+          <a:bodyPr/>
+          <a:lstStyle/>
+          <a:p>
+            <a:r>
+              <a:rPr lang="en-US" dirty="0"/>
+              <a:t>Expanding to 9 holes</a:t>
+            </a:r>
+          </a:p>
+        </p:txBody>
+      </p:sp>
+      <p:sp>
+        <p:nvSpPr>
+          <p:cNvPr id="4" name="Text Placeholder 3">
+            <a:extLst>
+              <a:ext uri="{FF2B5EF4-FFF2-40B4-BE49-F238E27FC236}">
+                <a16:creationId xmlns:a16="http://schemas.microsoft.com/office/drawing/2014/main" id="{66F342C5-119E-4A0E-8A52-C62CE007D27D}"/>
+              </a:ext>
+            </a:extLst>
+          </p:cNvPr>
+          <p:cNvSpPr>
+            <a:spLocks noGrp="1"/>
+          </p:cNvSpPr>
+          <p:nvPr>
+            <p:ph type="body" sz="quarter" idx="15"/>
+          </p:nvPr>
+        </p:nvSpPr>
+        <p:spPr/>
+        <p:txBody>
+          <a:bodyPr/>
+          <a:lstStyle/>
+          <a:p>
+            <a:r>
+              <a:rPr lang="en-US" dirty="0"/>
+              <a:t>Build the green in Blender</a:t>
+            </a:r>
+          </a:p>
+          <a:p>
+            <a:r>
+              <a:rPr lang="en-US" dirty="0"/>
+              <a:t>Import to unity and add materials</a:t>
+            </a:r>
+          </a:p>
+        </p:txBody>
+      </p:sp>
+      <p:pic>
+        <p:nvPicPr>
+          <p:cNvPr id="5" name="Picture 4">
+            <a:extLst>
+              <a:ext uri="{FF2B5EF4-FFF2-40B4-BE49-F238E27FC236}">
+                <a16:creationId xmlns:a16="http://schemas.microsoft.com/office/drawing/2014/main" id="{D229CE63-9B7E-48BB-875F-D141499CAF05}"/>
+              </a:ext>
+            </a:extLst>
+          </p:cNvPr>
+          <p:cNvPicPr>
+            <a:picLocks noChangeAspect="1"/>
+          </p:cNvPicPr>
+          <p:nvPr/>
+        </p:nvPicPr>
+        <p:blipFill rotWithShape="1">
+          <a:blip r:embed="rId2"/>
+          <a:srcRect r="3741"/>
+          <a:stretch/>
+        </p:blipFill>
+        <p:spPr>
+          <a:xfrm>
+            <a:off x="450137" y="3244956"/>
+            <a:ext cx="5391863" cy="3014940"/>
+          </a:xfrm>
+          <a:prstGeom prst="rect">
+            <a:avLst/>
+          </a:prstGeom>
+        </p:spPr>
+      </p:pic>
+      <p:pic>
+        <p:nvPicPr>
+          <p:cNvPr id="6" name="Picture 5">
+            <a:extLst>
+              <a:ext uri="{FF2B5EF4-FFF2-40B4-BE49-F238E27FC236}">
+                <a16:creationId xmlns:a16="http://schemas.microsoft.com/office/drawing/2014/main" id="{D04D7621-CE1E-4145-BA26-1785C007BC25}"/>
+              </a:ext>
+            </a:extLst>
+          </p:cNvPr>
+          <p:cNvPicPr>
+            <a:picLocks noChangeAspect="1"/>
+          </p:cNvPicPr>
+          <p:nvPr/>
+        </p:nvPicPr>
+        <p:blipFill>
+          <a:blip r:embed="rId3"/>
+          <a:stretch>
+            <a:fillRect/>
+          </a:stretch>
+        </p:blipFill>
+        <p:spPr>
+          <a:xfrm>
+            <a:off x="5842000" y="3244956"/>
+            <a:ext cx="5899863" cy="3018534"/>
+          </a:xfrm>
+          <a:prstGeom prst="rect">
+            <a:avLst/>
+          </a:prstGeom>
+        </p:spPr>
+      </p:pic>
+      <p:pic>
+        <p:nvPicPr>
+          <p:cNvPr id="7" name="Picture 6">
+            <a:extLst>
+              <a:ext uri="{FF2B5EF4-FFF2-40B4-BE49-F238E27FC236}">
+                <a16:creationId xmlns:a16="http://schemas.microsoft.com/office/drawing/2014/main" id="{3E4C9B93-3ACD-4069-887D-F9792425F20B}"/>
+              </a:ext>
+            </a:extLst>
+          </p:cNvPr>
+          <p:cNvPicPr>
+            <a:picLocks noChangeAspect="1"/>
+          </p:cNvPicPr>
+          <p:nvPr/>
+        </p:nvPicPr>
+        <p:blipFill rotWithShape="1">
+          <a:blip r:embed="rId2"/>
+          <a:srcRect l="82769" t="25271" r="3740" b="58933"/>
+          <a:stretch/>
+        </p:blipFill>
+        <p:spPr>
+          <a:xfrm>
+            <a:off x="5391863" y="3345194"/>
+            <a:ext cx="755650" cy="769606"/>
+          </a:xfrm>
+          <a:prstGeom prst="rect">
+            <a:avLst/>
+          </a:prstGeom>
+        </p:spPr>
+      </p:pic>
+    </p:spTree>
+    <p:extLst>
+      <p:ext uri="{BB962C8B-B14F-4D97-AF65-F5344CB8AC3E}">
+        <p14:creationId xmlns:p14="http://schemas.microsoft.com/office/powerpoint/2010/main" val="2060814654"/>
+      </p:ext>
+    </p:extLst>
+  </p:cSld>
+  <p:clrMapOvr>
+    <a:masterClrMapping/>
+  </p:clrMapOvr>
+</p:sld>
+</file>
+
+<file path=ppt/slides/slide14.xml><?xml version="1.0" encoding="utf-8"?>
+<p:sld xmlns:a="http://schemas.openxmlformats.org/drawingml/2006/main" xmlns:r="http://schemas.openxmlformats.org/officeDocument/2006/relationships" xmlns:p="http://schemas.openxmlformats.org/presentationml/2006/main">
+  <p:cSld>
+    <p:spTree>
+      <p:nvGrpSpPr>
+        <p:cNvPr id="1" name=""/>
+        <p:cNvGrpSpPr/>
+        <p:nvPr/>
+      </p:nvGrpSpPr>
+      <p:grpSpPr>
+        <a:xfrm>
+          <a:off x="0" y="0"/>
+          <a:ext cx="0" cy="0"/>
+          <a:chOff x="0" y="0"/>
+          <a:chExt cx="0" cy="0"/>
+        </a:xfrm>
+      </p:grpSpPr>
       <p:pic>
         <p:nvPicPr>
           <p:cNvPr id="3076" name="Picture 4" descr="Mini Golf Clipart Images">
@@ -5022,7 +5104,7 @@
 </p:sld>
 </file>
 
-<file path=ppt/slides/slide14.xml><?xml version="1.0" encoding="utf-8"?>
+<file path=ppt/slides/slide15.xml><?xml version="1.0" encoding="utf-8"?>
 <p:sld xmlns:a="http://schemas.openxmlformats.org/drawingml/2006/main" xmlns:r="http://schemas.openxmlformats.org/officeDocument/2006/relationships" xmlns:p="http://schemas.openxmlformats.org/presentationml/2006/main">
   <p:cSld>
     <p:spTree>
@@ -5839,7 +5921,7 @@
           <p:cNvPr id="3" name="Text Placeholder 2">
             <a:extLst>
               <a:ext uri="{FF2B5EF4-FFF2-40B4-BE49-F238E27FC236}">
-                <a16:creationId xmlns:a16="http://schemas.microsoft.com/office/drawing/2014/main" id="{CE8203DE-F397-46AF-B73D-866CF3949391}"/>
+                <a16:creationId xmlns:a16="http://schemas.microsoft.com/office/drawing/2014/main" id="{5C164BAC-A6F3-4E09-BC66-BEF916B21A2E}"/>
               </a:ext>
             </a:extLst>
           </p:cNvPr>
@@ -5857,7 +5939,7 @@
           <a:p>
             <a:r>
               <a:rPr lang="en-US" dirty="0"/>
-              <a:t>Better Club</a:t>
+              <a:t>Ball interactions</a:t>
             </a:r>
           </a:p>
         </p:txBody>
@@ -5867,7 +5949,7 @@
           <p:cNvPr id="4" name="Text Placeholder 3">
             <a:extLst>
               <a:ext uri="{FF2B5EF4-FFF2-40B4-BE49-F238E27FC236}">
-                <a16:creationId xmlns:a16="http://schemas.microsoft.com/office/drawing/2014/main" id="{F80CEA8E-E541-4B1A-A862-344816512889}"/>
+                <a16:creationId xmlns:a16="http://schemas.microsoft.com/office/drawing/2014/main" id="{D7F8F67F-1935-410B-9DC1-375829C74069}"/>
               </a:ext>
             </a:extLst>
           </p:cNvPr>
@@ -5885,27 +5967,54 @@
           <a:p>
             <a:r>
               <a:rPr lang="en-US" dirty="0"/>
-              <a:t>Improved club model found </a:t>
+              <a:t>Pinball </a:t>
             </a:r>
             <a:r>
               <a:rPr lang="en-US" dirty="0">
                 <a:hlinkClick r:id="rId2"/>
               </a:rPr>
-              <a:t>online</a:t>
-            </a:r>
-            <a:r>
-              <a:rPr lang="en-US" dirty="0"/>
-              <a:t> for free</a:t>
+              <a:t>Video</a:t>
+            </a:r>
+            <a:r>
+              <a:rPr lang="en-US" dirty="0"/>
+              <a:t>!</a:t>
+            </a:r>
+          </a:p>
+          <a:p>
+            <a:r>
+              <a:rPr lang="en-US" dirty="0"/>
+              <a:t>Lot of similarities</a:t>
+            </a:r>
+          </a:p>
+          <a:p>
+            <a:pPr lvl="1"/>
+            <a:r>
+              <a:rPr lang="en-US" dirty="0"/>
+              <a:t>Rolling ball</a:t>
+            </a:r>
+          </a:p>
+          <a:p>
+            <a:pPr lvl="1"/>
+            <a:r>
+              <a:rPr lang="en-US" dirty="0"/>
+              <a:t>Objects moving to hit ball</a:t>
+            </a:r>
+          </a:p>
+          <a:p>
+            <a:pPr lvl="1"/>
+            <a:r>
+              <a:rPr lang="en-US" dirty="0"/>
+              <a:t>Keeping score </a:t>
             </a:r>
           </a:p>
         </p:txBody>
       </p:sp>
       <p:pic>
         <p:nvPicPr>
-          <p:cNvPr id="5" name="Picture 4">
-            <a:extLst>
-              <a:ext uri="{FF2B5EF4-FFF2-40B4-BE49-F238E27FC236}">
-                <a16:creationId xmlns:a16="http://schemas.microsoft.com/office/drawing/2014/main" id="{9B9A4E7D-B0A3-45B3-A272-2C3EF13285A3}"/>
+          <p:cNvPr id="7" name="Picture 6">
+            <a:extLst>
+              <a:ext uri="{FF2B5EF4-FFF2-40B4-BE49-F238E27FC236}">
+                <a16:creationId xmlns:a16="http://schemas.microsoft.com/office/drawing/2014/main" id="{5A7D1DA5-202D-47D5-A726-13DD96697953}"/>
               </a:ext>
             </a:extLst>
           </p:cNvPr>
@@ -5922,38 +6031,8 @@
         </p:blipFill>
         <p:spPr>
           <a:xfrm>
-            <a:off x="1988717" y="2561066"/>
-            <a:ext cx="5834484" cy="4087383"/>
-          </a:xfrm>
-          <a:prstGeom prst="rect">
-            <a:avLst/>
-          </a:prstGeom>
-        </p:spPr>
-      </p:pic>
-      <p:pic>
-        <p:nvPicPr>
-          <p:cNvPr id="6" name="Picture 5">
-            <a:extLst>
-              <a:ext uri="{FF2B5EF4-FFF2-40B4-BE49-F238E27FC236}">
-                <a16:creationId xmlns:a16="http://schemas.microsoft.com/office/drawing/2014/main" id="{C3D747D7-8FA9-4514-855E-43C7165633A7}"/>
-              </a:ext>
-            </a:extLst>
-          </p:cNvPr>
-          <p:cNvPicPr>
-            <a:picLocks noChangeAspect="1"/>
-          </p:cNvPicPr>
-          <p:nvPr/>
-        </p:nvPicPr>
-        <p:blipFill>
-          <a:blip r:embed="rId4"/>
-          <a:stretch>
-            <a:fillRect/>
-          </a:stretch>
-        </p:blipFill>
-        <p:spPr>
-          <a:xfrm>
-            <a:off x="7823201" y="2561066"/>
-            <a:ext cx="2376804" cy="4087383"/>
+            <a:off x="4961066" y="1992138"/>
+            <a:ext cx="7023648" cy="3271747"/>
           </a:xfrm>
           <a:prstGeom prst="rect">
             <a:avLst/>
@@ -5963,7 +6042,7 @@
     </p:spTree>
     <p:extLst>
       <p:ext uri="{BB962C8B-B14F-4D97-AF65-F5344CB8AC3E}">
-        <p14:creationId xmlns:p14="http://schemas.microsoft.com/office/powerpoint/2010/main" val="762329792"/>
+        <p14:creationId xmlns:p14="http://schemas.microsoft.com/office/powerpoint/2010/main" val="847126838"/>
       </p:ext>
     </p:extLst>
   </p:cSld>
@@ -6118,10 +6197,10 @@
       </p:grpSpPr>
       <p:sp>
         <p:nvSpPr>
-          <p:cNvPr id="2" name="Text Placeholder 1">
-            <a:extLst>
-              <a:ext uri="{FF2B5EF4-FFF2-40B4-BE49-F238E27FC236}">
-                <a16:creationId xmlns:a16="http://schemas.microsoft.com/office/drawing/2014/main" id="{41B47813-A61E-E047-A9DE-995DE93F6370}"/>
+          <p:cNvPr id="3" name="Text Placeholder 2">
+            <a:extLst>
+              <a:ext uri="{FF2B5EF4-FFF2-40B4-BE49-F238E27FC236}">
+                <a16:creationId xmlns:a16="http://schemas.microsoft.com/office/drawing/2014/main" id="{CE8203DE-F397-46AF-B73D-866CF3949391}"/>
               </a:ext>
             </a:extLst>
           </p:cNvPr>
@@ -6129,7 +6208,7 @@
             <a:spLocks noGrp="1"/>
           </p:cNvSpPr>
           <p:nvPr>
-            <p:ph type="body" sz="quarter" idx="13"/>
+            <p:ph type="body" sz="quarter" idx="14"/>
           </p:nvPr>
         </p:nvSpPr>
         <p:spPr/>
@@ -6137,16 +6216,19 @@
           <a:bodyPr/>
           <a:lstStyle/>
           <a:p>
-            <a:endParaRPr lang="en-US"/>
-          </a:p>
-        </p:txBody>
-      </p:sp>
-      <p:sp>
-        <p:nvSpPr>
-          <p:cNvPr id="3" name="Content Placeholder 2">
-            <a:extLst>
-              <a:ext uri="{FF2B5EF4-FFF2-40B4-BE49-F238E27FC236}">
-                <a16:creationId xmlns:a16="http://schemas.microsoft.com/office/drawing/2014/main" id="{FBB951C8-6CC5-484B-92CD-1CD84ED1CF16}"/>
+            <a:r>
+              <a:rPr lang="en-US" dirty="0"/>
+              <a:t>Better Club</a:t>
+            </a:r>
+          </a:p>
+        </p:txBody>
+      </p:sp>
+      <p:sp>
+        <p:nvSpPr>
+          <p:cNvPr id="4" name="Text Placeholder 3">
+            <a:extLst>
+              <a:ext uri="{FF2B5EF4-FFF2-40B4-BE49-F238E27FC236}">
+                <a16:creationId xmlns:a16="http://schemas.microsoft.com/office/drawing/2014/main" id="{F80CEA8E-E541-4B1A-A862-344816512889}"/>
               </a:ext>
             </a:extLst>
           </p:cNvPr>
@@ -6154,7 +6236,7 @@
             <a:spLocks noGrp="1"/>
           </p:cNvSpPr>
           <p:nvPr>
-            <p:ph sz="quarter" idx="16"/>
+            <p:ph type="body" sz="quarter" idx="15"/>
           </p:nvPr>
         </p:nvSpPr>
         <p:spPr/>
@@ -6162,14 +6244,87 @@
           <a:bodyPr/>
           <a:lstStyle/>
           <a:p>
-            <a:endParaRPr lang="en-US"/>
-          </a:p>
-        </p:txBody>
-      </p:sp>
+            <a:r>
+              <a:rPr lang="en-US" dirty="0"/>
+              <a:t>Improved club model found </a:t>
+            </a:r>
+            <a:r>
+              <a:rPr lang="en-US" dirty="0">
+                <a:hlinkClick r:id="rId2"/>
+              </a:rPr>
+              <a:t>online</a:t>
+            </a:r>
+            <a:r>
+              <a:rPr lang="en-US" dirty="0"/>
+              <a:t> for free</a:t>
+            </a:r>
+          </a:p>
+        </p:txBody>
+      </p:sp>
+      <p:pic>
+        <p:nvPicPr>
+          <p:cNvPr id="5" name="Picture 4">
+            <a:extLst>
+              <a:ext uri="{FF2B5EF4-FFF2-40B4-BE49-F238E27FC236}">
+                <a16:creationId xmlns:a16="http://schemas.microsoft.com/office/drawing/2014/main" id="{9B9A4E7D-B0A3-45B3-A272-2C3EF13285A3}"/>
+              </a:ext>
+            </a:extLst>
+          </p:cNvPr>
+          <p:cNvPicPr>
+            <a:picLocks noChangeAspect="1"/>
+          </p:cNvPicPr>
+          <p:nvPr/>
+        </p:nvPicPr>
+        <p:blipFill>
+          <a:blip r:embed="rId3"/>
+          <a:stretch>
+            <a:fillRect/>
+          </a:stretch>
+        </p:blipFill>
+        <p:spPr>
+          <a:xfrm>
+            <a:off x="1988717" y="2561066"/>
+            <a:ext cx="5834484" cy="4087383"/>
+          </a:xfrm>
+          <a:prstGeom prst="rect">
+            <a:avLst/>
+          </a:prstGeom>
+        </p:spPr>
+      </p:pic>
+      <p:pic>
+        <p:nvPicPr>
+          <p:cNvPr id="6" name="Picture 5">
+            <a:extLst>
+              <a:ext uri="{FF2B5EF4-FFF2-40B4-BE49-F238E27FC236}">
+                <a16:creationId xmlns:a16="http://schemas.microsoft.com/office/drawing/2014/main" id="{C3D747D7-8FA9-4514-855E-43C7165633A7}"/>
+              </a:ext>
+            </a:extLst>
+          </p:cNvPr>
+          <p:cNvPicPr>
+            <a:picLocks noChangeAspect="1"/>
+          </p:cNvPicPr>
+          <p:nvPr/>
+        </p:nvPicPr>
+        <p:blipFill>
+          <a:blip r:embed="rId4"/>
+          <a:stretch>
+            <a:fillRect/>
+          </a:stretch>
+        </p:blipFill>
+        <p:spPr>
+          <a:xfrm>
+            <a:off x="7823201" y="2561066"/>
+            <a:ext cx="2376804" cy="4087383"/>
+          </a:xfrm>
+          <a:prstGeom prst="rect">
+            <a:avLst/>
+          </a:prstGeom>
+        </p:spPr>
+      </p:pic>
     </p:spTree>
     <p:extLst>
       <p:ext uri="{BB962C8B-B14F-4D97-AF65-F5344CB8AC3E}">
-        <p14:creationId xmlns:p14="http://schemas.microsoft.com/office/powerpoint/2010/main" val="119620541"/>
+        <p14:creationId xmlns:p14="http://schemas.microsoft.com/office/powerpoint/2010/main" val="762329792"/>
       </p:ext>
     </p:extLst>
   </p:cSld>

--- a/PuttPuttGolfPresentation.pptx
+++ b/PuttPuttGolfPresentation.pptx
@@ -5,10 +5,10 @@
     <p:sldMasterId id="2147483664" r:id="rId1"/>
   </p:sldMasterIdLst>
   <p:notesMasterIdLst>
-    <p:notesMasterId r:id="rId17"/>
+    <p:notesMasterId r:id="rId21"/>
   </p:notesMasterIdLst>
   <p:handoutMasterIdLst>
-    <p:handoutMasterId r:id="rId18"/>
+    <p:handoutMasterId r:id="rId22"/>
   </p:handoutMasterIdLst>
   <p:sldIdLst>
     <p:sldId id="256" r:id="rId2"/>
@@ -18,14 +18,18 @@
     <p:sldId id="258" r:id="rId6"/>
     <p:sldId id="266" r:id="rId7"/>
     <p:sldId id="270" r:id="rId8"/>
-    <p:sldId id="269" r:id="rId9"/>
-    <p:sldId id="268" r:id="rId10"/>
-    <p:sldId id="259" r:id="rId11"/>
-    <p:sldId id="260" r:id="rId12"/>
-    <p:sldId id="261" r:id="rId13"/>
-    <p:sldId id="267" r:id="rId14"/>
-    <p:sldId id="265" r:id="rId15"/>
-    <p:sldId id="263" r:id="rId16"/>
+    <p:sldId id="271" r:id="rId9"/>
+    <p:sldId id="269" r:id="rId10"/>
+    <p:sldId id="268" r:id="rId11"/>
+    <p:sldId id="272" r:id="rId12"/>
+    <p:sldId id="273" r:id="rId13"/>
+    <p:sldId id="274" r:id="rId14"/>
+    <p:sldId id="275" r:id="rId15"/>
+    <p:sldId id="276" r:id="rId16"/>
+    <p:sldId id="267" r:id="rId17"/>
+    <p:sldId id="277" r:id="rId18"/>
+    <p:sldId id="265" r:id="rId19"/>
+    <p:sldId id="263" r:id="rId20"/>
   </p:sldIdLst>
   <p:sldSz cx="12192000" cy="6858000"/>
   <p:notesSz cx="6858000" cy="9144000"/>
@@ -136,12 +140,16 @@
             <p14:sldId id="258"/>
             <p14:sldId id="266"/>
             <p14:sldId id="270"/>
+            <p14:sldId id="271"/>
             <p14:sldId id="269"/>
             <p14:sldId id="268"/>
-            <p14:sldId id="259"/>
-            <p14:sldId id="260"/>
-            <p14:sldId id="261"/>
+            <p14:sldId id="272"/>
+            <p14:sldId id="273"/>
+            <p14:sldId id="274"/>
+            <p14:sldId id="275"/>
+            <p14:sldId id="276"/>
             <p14:sldId id="267"/>
+            <p14:sldId id="277"/>
             <p14:sldId id="265"/>
             <p14:sldId id="263"/>
           </p14:sldIdLst>
@@ -4334,10 +4342,10 @@
       </p:grpSpPr>
       <p:sp>
         <p:nvSpPr>
-          <p:cNvPr id="2" name="Text Placeholder 1">
-            <a:extLst>
-              <a:ext uri="{FF2B5EF4-FFF2-40B4-BE49-F238E27FC236}">
-                <a16:creationId xmlns:a16="http://schemas.microsoft.com/office/drawing/2014/main" id="{41B47813-A61E-E047-A9DE-995DE93F6370}"/>
+          <p:cNvPr id="3" name="Text Placeholder 2">
+            <a:extLst>
+              <a:ext uri="{FF2B5EF4-FFF2-40B4-BE49-F238E27FC236}">
+                <a16:creationId xmlns:a16="http://schemas.microsoft.com/office/drawing/2014/main" id="{CE8203DE-F397-46AF-B73D-866CF3949391}"/>
               </a:ext>
             </a:extLst>
           </p:cNvPr>
@@ -4345,7 +4353,7 @@
             <a:spLocks noGrp="1"/>
           </p:cNvSpPr>
           <p:nvPr>
-            <p:ph type="body" sz="quarter" idx="13"/>
+            <p:ph type="body" sz="quarter" idx="14"/>
           </p:nvPr>
         </p:nvSpPr>
         <p:spPr/>
@@ -4353,16 +4361,19 @@
           <a:bodyPr/>
           <a:lstStyle/>
           <a:p>
-            <a:endParaRPr lang="en-US"/>
-          </a:p>
-        </p:txBody>
-      </p:sp>
-      <p:sp>
-        <p:nvSpPr>
-          <p:cNvPr id="3" name="Content Placeholder 2">
-            <a:extLst>
-              <a:ext uri="{FF2B5EF4-FFF2-40B4-BE49-F238E27FC236}">
-                <a16:creationId xmlns:a16="http://schemas.microsoft.com/office/drawing/2014/main" id="{FBB951C8-6CC5-484B-92CD-1CD84ED1CF16}"/>
+            <a:r>
+              <a:rPr lang="en-US" dirty="0"/>
+              <a:t>Better Club</a:t>
+            </a:r>
+          </a:p>
+        </p:txBody>
+      </p:sp>
+      <p:sp>
+        <p:nvSpPr>
+          <p:cNvPr id="4" name="Text Placeholder 3">
+            <a:extLst>
+              <a:ext uri="{FF2B5EF4-FFF2-40B4-BE49-F238E27FC236}">
+                <a16:creationId xmlns:a16="http://schemas.microsoft.com/office/drawing/2014/main" id="{F80CEA8E-E541-4B1A-A862-344816512889}"/>
               </a:ext>
             </a:extLst>
           </p:cNvPr>
@@ -4370,7 +4381,7 @@
             <a:spLocks noGrp="1"/>
           </p:cNvSpPr>
           <p:nvPr>
-            <p:ph sz="quarter" idx="16"/>
+            <p:ph type="body" sz="quarter" idx="15"/>
           </p:nvPr>
         </p:nvSpPr>
         <p:spPr/>
@@ -4378,14 +4389,123 @@
           <a:bodyPr/>
           <a:lstStyle/>
           <a:p>
-            <a:endParaRPr lang="en-US"/>
-          </a:p>
-        </p:txBody>
-      </p:sp>
+            <a:r>
+              <a:rPr lang="en-US" dirty="0"/>
+              <a:t>Improved club model found </a:t>
+            </a:r>
+            <a:r>
+              <a:rPr lang="en-US" dirty="0">
+                <a:hlinkClick r:id="rId2"/>
+              </a:rPr>
+              <a:t>online</a:t>
+            </a:r>
+            <a:r>
+              <a:rPr lang="en-US" dirty="0"/>
+              <a:t> for free</a:t>
+            </a:r>
+          </a:p>
+          <a:p>
+            <a:r>
+              <a:rPr lang="en-US" dirty="0"/>
+              <a:t>Changed Origin to handle for realism</a:t>
+            </a:r>
+          </a:p>
+        </p:txBody>
+      </p:sp>
+      <p:pic>
+        <p:nvPicPr>
+          <p:cNvPr id="5" name="Picture 4">
+            <a:extLst>
+              <a:ext uri="{FF2B5EF4-FFF2-40B4-BE49-F238E27FC236}">
+                <a16:creationId xmlns:a16="http://schemas.microsoft.com/office/drawing/2014/main" id="{9B9A4E7D-B0A3-45B3-A272-2C3EF13285A3}"/>
+              </a:ext>
+            </a:extLst>
+          </p:cNvPr>
+          <p:cNvPicPr>
+            <a:picLocks noChangeAspect="1"/>
+          </p:cNvPicPr>
+          <p:nvPr/>
+        </p:nvPicPr>
+        <p:blipFill>
+          <a:blip r:embed="rId3"/>
+          <a:stretch>
+            <a:fillRect/>
+          </a:stretch>
+        </p:blipFill>
+        <p:spPr>
+          <a:xfrm>
+            <a:off x="1241714" y="2937666"/>
+            <a:ext cx="5452889" cy="3820054"/>
+          </a:xfrm>
+          <a:prstGeom prst="rect">
+            <a:avLst/>
+          </a:prstGeom>
+        </p:spPr>
+      </p:pic>
+      <p:pic>
+        <p:nvPicPr>
+          <p:cNvPr id="6" name="Picture 5">
+            <a:extLst>
+              <a:ext uri="{FF2B5EF4-FFF2-40B4-BE49-F238E27FC236}">
+                <a16:creationId xmlns:a16="http://schemas.microsoft.com/office/drawing/2014/main" id="{C3D747D7-8FA9-4514-855E-43C7165633A7}"/>
+              </a:ext>
+            </a:extLst>
+          </p:cNvPr>
+          <p:cNvPicPr>
+            <a:picLocks noChangeAspect="1"/>
+          </p:cNvPicPr>
+          <p:nvPr/>
+        </p:nvPicPr>
+        <p:blipFill>
+          <a:blip r:embed="rId4"/>
+          <a:stretch>
+            <a:fillRect/>
+          </a:stretch>
+        </p:blipFill>
+        <p:spPr>
+          <a:xfrm>
+            <a:off x="6692056" y="2937666"/>
+            <a:ext cx="2221353" cy="3820054"/>
+          </a:xfrm>
+          <a:prstGeom prst="rect">
+            <a:avLst/>
+          </a:prstGeom>
+        </p:spPr>
+      </p:pic>
+      <p:pic>
+        <p:nvPicPr>
+          <p:cNvPr id="7" name="Picture 6">
+            <a:extLst>
+              <a:ext uri="{FF2B5EF4-FFF2-40B4-BE49-F238E27FC236}">
+                <a16:creationId xmlns:a16="http://schemas.microsoft.com/office/drawing/2014/main" id="{7BB1873B-78FC-467E-B715-F3D5C5C98005}"/>
+              </a:ext>
+            </a:extLst>
+          </p:cNvPr>
+          <p:cNvPicPr>
+            <a:picLocks noChangeAspect="1"/>
+          </p:cNvPicPr>
+          <p:nvPr/>
+        </p:nvPicPr>
+        <p:blipFill>
+          <a:blip r:embed="rId5"/>
+          <a:stretch>
+            <a:fillRect/>
+          </a:stretch>
+        </p:blipFill>
+        <p:spPr>
+          <a:xfrm>
+            <a:off x="8913409" y="2937666"/>
+            <a:ext cx="2081307" cy="3820054"/>
+          </a:xfrm>
+          <a:prstGeom prst="rect">
+            <a:avLst/>
+          </a:prstGeom>
+        </p:spPr>
+      </p:pic>
     </p:spTree>
     <p:extLst>
       <p:ext uri="{BB962C8B-B14F-4D97-AF65-F5344CB8AC3E}">
-        <p14:creationId xmlns:p14="http://schemas.microsoft.com/office/powerpoint/2010/main" val="119620541"/>
+        <p14:creationId xmlns:p14="http://schemas.microsoft.com/office/powerpoint/2010/main" val="762329792"/>
       </p:ext>
     </p:extLst>
   </p:cSld>
@@ -4417,7 +4537,7 @@
           <p:cNvPr id="2" name="Text Placeholder 1">
             <a:extLst>
               <a:ext uri="{FF2B5EF4-FFF2-40B4-BE49-F238E27FC236}">
-                <a16:creationId xmlns:a16="http://schemas.microsoft.com/office/drawing/2014/main" id="{FF5EC346-9D5A-E146-B3C7-8ED6273BE9EA}"/>
+                <a16:creationId xmlns:a16="http://schemas.microsoft.com/office/drawing/2014/main" id="{AA29AAA5-5FE0-4465-A7F8-5142C1E290D0}"/>
               </a:ext>
             </a:extLst>
           </p:cNvPr>
@@ -4439,10 +4559,10 @@
       </p:sp>
       <p:sp>
         <p:nvSpPr>
-          <p:cNvPr id="3" name="Content Placeholder 2">
-            <a:extLst>
-              <a:ext uri="{FF2B5EF4-FFF2-40B4-BE49-F238E27FC236}">
-                <a16:creationId xmlns:a16="http://schemas.microsoft.com/office/drawing/2014/main" id="{8C90A76D-AF14-FE41-9A69-8F05E833B893}"/>
+          <p:cNvPr id="3" name="Text Placeholder 2">
+            <a:extLst>
+              <a:ext uri="{FF2B5EF4-FFF2-40B4-BE49-F238E27FC236}">
+                <a16:creationId xmlns:a16="http://schemas.microsoft.com/office/drawing/2014/main" id="{43D5BBC8-CD68-47F7-97DF-E88446B5CF71}"/>
               </a:ext>
             </a:extLst>
           </p:cNvPr>
@@ -4450,7 +4570,7 @@
             <a:spLocks noGrp="1"/>
           </p:cNvSpPr>
           <p:nvPr>
-            <p:ph sz="quarter" idx="15"/>
+            <p:ph type="body" sz="quarter" idx="14"/>
           </p:nvPr>
         </p:nvSpPr>
         <p:spPr/>
@@ -4458,16 +4578,19 @@
           <a:bodyPr/>
           <a:lstStyle/>
           <a:p>
-            <a:endParaRPr lang="en-US"/>
-          </a:p>
-        </p:txBody>
-      </p:sp>
-      <p:sp>
-        <p:nvSpPr>
-          <p:cNvPr id="4" name="Content Placeholder 3">
-            <a:extLst>
-              <a:ext uri="{FF2B5EF4-FFF2-40B4-BE49-F238E27FC236}">
-                <a16:creationId xmlns:a16="http://schemas.microsoft.com/office/drawing/2014/main" id="{DAC3AF72-7EFF-B94B-9E22-E7669FAD50FE}"/>
+            <a:r>
+              <a:rPr lang="en-US" dirty="0"/>
+              <a:t>VRTK</a:t>
+            </a:r>
+          </a:p>
+        </p:txBody>
+      </p:sp>
+      <p:sp>
+        <p:nvSpPr>
+          <p:cNvPr id="4" name="Text Placeholder 3">
+            <a:extLst>
+              <a:ext uri="{FF2B5EF4-FFF2-40B4-BE49-F238E27FC236}">
+                <a16:creationId xmlns:a16="http://schemas.microsoft.com/office/drawing/2014/main" id="{6D7651D4-CADE-45F7-B6FC-B3336DEB3AB8}"/>
               </a:ext>
             </a:extLst>
           </p:cNvPr>
@@ -4475,7 +4598,7 @@
             <a:spLocks noGrp="1"/>
           </p:cNvSpPr>
           <p:nvPr>
-            <p:ph sz="quarter" idx="16"/>
+            <p:ph type="body" sz="quarter" idx="15"/>
           </p:nvPr>
         </p:nvSpPr>
         <p:spPr/>
@@ -4483,14 +4606,17 @@
           <a:bodyPr/>
           <a:lstStyle/>
           <a:p>
-            <a:endParaRPr lang="en-US"/>
+            <a:r>
+              <a:rPr lang="en-US" dirty="0"/>
+              <a:t>Set up VRTK so we can use buttons</a:t>
+            </a:r>
           </a:p>
         </p:txBody>
       </p:sp>
     </p:spTree>
     <p:extLst>
       <p:ext uri="{BB962C8B-B14F-4D97-AF65-F5344CB8AC3E}">
-        <p14:creationId xmlns:p14="http://schemas.microsoft.com/office/powerpoint/2010/main" val="2753799178"/>
+        <p14:creationId xmlns:p14="http://schemas.microsoft.com/office/powerpoint/2010/main" val="2279444513"/>
       </p:ext>
     </p:extLst>
   </p:cSld>
@@ -4522,7 +4648,7 @@
           <p:cNvPr id="2" name="Text Placeholder 1">
             <a:extLst>
               <a:ext uri="{FF2B5EF4-FFF2-40B4-BE49-F238E27FC236}">
-                <a16:creationId xmlns:a16="http://schemas.microsoft.com/office/drawing/2014/main" id="{52FEE8B2-8A77-BE42-B8CC-CDE1A26D3428}"/>
+                <a16:creationId xmlns:a16="http://schemas.microsoft.com/office/drawing/2014/main" id="{35901BA2-778D-4F14-ABB3-D8EC7BA447C4}"/>
               </a:ext>
             </a:extLst>
           </p:cNvPr>
@@ -4547,32 +4673,7 @@
           <p:cNvPr id="3" name="Text Placeholder 2">
             <a:extLst>
               <a:ext uri="{FF2B5EF4-FFF2-40B4-BE49-F238E27FC236}">
-                <a16:creationId xmlns:a16="http://schemas.microsoft.com/office/drawing/2014/main" id="{220B165F-76E2-194A-B3E9-4E7AEB61A4D5}"/>
-              </a:ext>
-            </a:extLst>
-          </p:cNvPr>
-          <p:cNvSpPr>
-            <a:spLocks noGrp="1"/>
-          </p:cNvSpPr>
-          <p:nvPr>
-            <p:ph type="body" sz="quarter" idx="10"/>
-          </p:nvPr>
-        </p:nvSpPr>
-        <p:spPr/>
-        <p:txBody>
-          <a:bodyPr/>
-          <a:lstStyle/>
-          <a:p>
-            <a:endParaRPr lang="en-US"/>
-          </a:p>
-        </p:txBody>
-      </p:sp>
-      <p:sp>
-        <p:nvSpPr>
-          <p:cNvPr id="4" name="Text Placeholder 3">
-            <a:extLst>
-              <a:ext uri="{FF2B5EF4-FFF2-40B4-BE49-F238E27FC236}">
-                <a16:creationId xmlns:a16="http://schemas.microsoft.com/office/drawing/2014/main" id="{0EC38063-DC52-0B49-A383-166F57AF2182}"/>
+                <a16:creationId xmlns:a16="http://schemas.microsoft.com/office/drawing/2014/main" id="{522B8CBF-9852-4533-B3FD-E743D7CBA78F}"/>
               </a:ext>
             </a:extLst>
           </p:cNvPr>
@@ -4588,16 +4689,19 @@
           <a:bodyPr/>
           <a:lstStyle/>
           <a:p>
-            <a:endParaRPr lang="en-US"/>
-          </a:p>
-        </p:txBody>
-      </p:sp>
-      <p:sp>
-        <p:nvSpPr>
-          <p:cNvPr id="5" name="Content Placeholder 4">
-            <a:extLst>
-              <a:ext uri="{FF2B5EF4-FFF2-40B4-BE49-F238E27FC236}">
-                <a16:creationId xmlns:a16="http://schemas.microsoft.com/office/drawing/2014/main" id="{4DDD7727-9A5A-C14F-8DAF-D05EFF822CBA}"/>
+            <a:r>
+              <a:rPr lang="en-US" dirty="0"/>
+              <a:t>Game Mechanics</a:t>
+            </a:r>
+          </a:p>
+        </p:txBody>
+      </p:sp>
+      <p:sp>
+        <p:nvSpPr>
+          <p:cNvPr id="4" name="Text Placeholder 3">
+            <a:extLst>
+              <a:ext uri="{FF2B5EF4-FFF2-40B4-BE49-F238E27FC236}">
+                <a16:creationId xmlns:a16="http://schemas.microsoft.com/office/drawing/2014/main" id="{B955A044-F877-424F-B8AB-332316E0D8B4}"/>
               </a:ext>
             </a:extLst>
           </p:cNvPr>
@@ -4605,7 +4709,7 @@
             <a:spLocks noGrp="1"/>
           </p:cNvSpPr>
           <p:nvPr>
-            <p:ph sz="quarter" idx="15"/>
+            <p:ph type="body" sz="quarter" idx="15"/>
           </p:nvPr>
         </p:nvSpPr>
         <p:spPr/>
@@ -4613,14 +4717,23 @@
           <a:bodyPr/>
           <a:lstStyle/>
           <a:p>
-            <a:endParaRPr lang="en-US"/>
+            <a:r>
+              <a:rPr lang="en-US" dirty="0"/>
+              <a:t>Choosing a putter angle</a:t>
+            </a:r>
+          </a:p>
+          <a:p>
+            <a:pPr marL="0" indent="0">
+              <a:buNone/>
+            </a:pPr>
+            <a:endParaRPr lang="en-US" dirty="0"/>
           </a:p>
         </p:txBody>
       </p:sp>
     </p:spTree>
     <p:extLst>
       <p:ext uri="{BB962C8B-B14F-4D97-AF65-F5344CB8AC3E}">
-        <p14:creationId xmlns:p14="http://schemas.microsoft.com/office/powerpoint/2010/main" val="3364062803"/>
+        <p14:creationId xmlns:p14="http://schemas.microsoft.com/office/powerpoint/2010/main" val="481561428"/>
       </p:ext>
     </p:extLst>
   </p:cSld>
@@ -4649,10 +4762,35 @@
       </p:grpSpPr>
       <p:sp>
         <p:nvSpPr>
+          <p:cNvPr id="2" name="Text Placeholder 1">
+            <a:extLst>
+              <a:ext uri="{FF2B5EF4-FFF2-40B4-BE49-F238E27FC236}">
+                <a16:creationId xmlns:a16="http://schemas.microsoft.com/office/drawing/2014/main" id="{35901BA2-778D-4F14-ABB3-D8EC7BA447C4}"/>
+              </a:ext>
+            </a:extLst>
+          </p:cNvPr>
+          <p:cNvSpPr>
+            <a:spLocks noGrp="1"/>
+          </p:cNvSpPr>
+          <p:nvPr>
+            <p:ph type="body" sz="quarter" idx="13"/>
+          </p:nvPr>
+        </p:nvSpPr>
+        <p:spPr/>
+        <p:txBody>
+          <a:bodyPr/>
+          <a:lstStyle/>
+          <a:p>
+            <a:endParaRPr lang="en-US"/>
+          </a:p>
+        </p:txBody>
+      </p:sp>
+      <p:sp>
+        <p:nvSpPr>
           <p:cNvPr id="3" name="Text Placeholder 2">
             <a:extLst>
               <a:ext uri="{FF2B5EF4-FFF2-40B4-BE49-F238E27FC236}">
-                <a16:creationId xmlns:a16="http://schemas.microsoft.com/office/drawing/2014/main" id="{9A8FE9B2-DF60-4260-9FEA-DC59F1B46EAD}"/>
+                <a16:creationId xmlns:a16="http://schemas.microsoft.com/office/drawing/2014/main" id="{522B8CBF-9852-4533-B3FD-E743D7CBA78F}"/>
               </a:ext>
             </a:extLst>
           </p:cNvPr>
@@ -4670,7 +4808,7 @@
           <a:p>
             <a:r>
               <a:rPr lang="en-US" dirty="0"/>
-              <a:t>Expanding to 9 holes</a:t>
+              <a:t>Game Mechanics</a:t>
             </a:r>
           </a:p>
         </p:txBody>
@@ -4680,7 +4818,7 @@
           <p:cNvPr id="4" name="Text Placeholder 3">
             <a:extLst>
               <a:ext uri="{FF2B5EF4-FFF2-40B4-BE49-F238E27FC236}">
-                <a16:creationId xmlns:a16="http://schemas.microsoft.com/office/drawing/2014/main" id="{66F342C5-119E-4A0E-8A52-C62CE007D27D}"/>
+                <a16:creationId xmlns:a16="http://schemas.microsoft.com/office/drawing/2014/main" id="{B955A044-F877-424F-B8AB-332316E0D8B4}"/>
               </a:ext>
             </a:extLst>
           </p:cNvPr>
@@ -4698,109 +4836,21 @@
           <a:p>
             <a:r>
               <a:rPr lang="en-US" dirty="0"/>
-              <a:t>Build the green in Blender</a:t>
-            </a:r>
-          </a:p>
-          <a:p>
-            <a:r>
-              <a:rPr lang="en-US" dirty="0"/>
-              <a:t>Import to unity and add materials</a:t>
-            </a:r>
-          </a:p>
-        </p:txBody>
-      </p:sp>
-      <p:pic>
-        <p:nvPicPr>
-          <p:cNvPr id="5" name="Picture 4">
-            <a:extLst>
-              <a:ext uri="{FF2B5EF4-FFF2-40B4-BE49-F238E27FC236}">
-                <a16:creationId xmlns:a16="http://schemas.microsoft.com/office/drawing/2014/main" id="{D229CE63-9B7E-48BB-875F-D141499CAF05}"/>
-              </a:ext>
-            </a:extLst>
-          </p:cNvPr>
-          <p:cNvPicPr>
-            <a:picLocks noChangeAspect="1"/>
-          </p:cNvPicPr>
-          <p:nvPr/>
-        </p:nvPicPr>
-        <p:blipFill rotWithShape="1">
-          <a:blip r:embed="rId2"/>
-          <a:srcRect r="3741"/>
-          <a:stretch/>
-        </p:blipFill>
-        <p:spPr>
-          <a:xfrm>
-            <a:off x="450137" y="3244956"/>
-            <a:ext cx="5391863" cy="3014940"/>
-          </a:xfrm>
-          <a:prstGeom prst="rect">
-            <a:avLst/>
-          </a:prstGeom>
-        </p:spPr>
-      </p:pic>
-      <p:pic>
-        <p:nvPicPr>
-          <p:cNvPr id="6" name="Picture 5">
-            <a:extLst>
-              <a:ext uri="{FF2B5EF4-FFF2-40B4-BE49-F238E27FC236}">
-                <a16:creationId xmlns:a16="http://schemas.microsoft.com/office/drawing/2014/main" id="{D04D7621-CE1E-4145-BA26-1785C007BC25}"/>
-              </a:ext>
-            </a:extLst>
-          </p:cNvPr>
-          <p:cNvPicPr>
-            <a:picLocks noChangeAspect="1"/>
-          </p:cNvPicPr>
-          <p:nvPr/>
-        </p:nvPicPr>
-        <p:blipFill>
-          <a:blip r:embed="rId3"/>
-          <a:stretch>
-            <a:fillRect/>
-          </a:stretch>
-        </p:blipFill>
-        <p:spPr>
-          <a:xfrm>
-            <a:off x="5842000" y="3244956"/>
-            <a:ext cx="5899863" cy="3018534"/>
-          </a:xfrm>
-          <a:prstGeom prst="rect">
-            <a:avLst/>
-          </a:prstGeom>
-        </p:spPr>
-      </p:pic>
-      <p:pic>
-        <p:nvPicPr>
-          <p:cNvPr id="7" name="Picture 6">
-            <a:extLst>
-              <a:ext uri="{FF2B5EF4-FFF2-40B4-BE49-F238E27FC236}">
-                <a16:creationId xmlns:a16="http://schemas.microsoft.com/office/drawing/2014/main" id="{3E4C9B93-3ACD-4069-887D-F9792425F20B}"/>
-              </a:ext>
-            </a:extLst>
-          </p:cNvPr>
-          <p:cNvPicPr>
-            <a:picLocks noChangeAspect="1"/>
-          </p:cNvPicPr>
-          <p:nvPr/>
-        </p:nvPicPr>
-        <p:blipFill rotWithShape="1">
-          <a:blip r:embed="rId2"/>
-          <a:srcRect l="82769" t="25271" r="3740" b="58933"/>
-          <a:stretch/>
-        </p:blipFill>
-        <p:spPr>
-          <a:xfrm>
-            <a:off x="5391863" y="3345194"/>
-            <a:ext cx="755650" cy="769606"/>
-          </a:xfrm>
-          <a:prstGeom prst="rect">
-            <a:avLst/>
-          </a:prstGeom>
-        </p:spPr>
-      </p:pic>
+              <a:t>Choosing a putter power</a:t>
+            </a:r>
+          </a:p>
+          <a:p>
+            <a:pPr marL="0" indent="0">
+              <a:buNone/>
+            </a:pPr>
+            <a:endParaRPr lang="en-US" dirty="0"/>
+          </a:p>
+        </p:txBody>
+      </p:sp>
     </p:spTree>
     <p:extLst>
       <p:ext uri="{BB962C8B-B14F-4D97-AF65-F5344CB8AC3E}">
-        <p14:creationId xmlns:p14="http://schemas.microsoft.com/office/powerpoint/2010/main" val="2060814654"/>
+        <p14:creationId xmlns:p14="http://schemas.microsoft.com/office/powerpoint/2010/main" val="3546451069"/>
       </p:ext>
     </p:extLst>
   </p:cSld>
@@ -4827,6 +4877,531 @@
           <a:chExt cx="0" cy="0"/>
         </a:xfrm>
       </p:grpSpPr>
+      <p:sp>
+        <p:nvSpPr>
+          <p:cNvPr id="2" name="Text Placeholder 1">
+            <a:extLst>
+              <a:ext uri="{FF2B5EF4-FFF2-40B4-BE49-F238E27FC236}">
+                <a16:creationId xmlns:a16="http://schemas.microsoft.com/office/drawing/2014/main" id="{35901BA2-778D-4F14-ABB3-D8EC7BA447C4}"/>
+              </a:ext>
+            </a:extLst>
+          </p:cNvPr>
+          <p:cNvSpPr>
+            <a:spLocks noGrp="1"/>
+          </p:cNvSpPr>
+          <p:nvPr>
+            <p:ph type="body" sz="quarter" idx="13"/>
+          </p:nvPr>
+        </p:nvSpPr>
+        <p:spPr/>
+        <p:txBody>
+          <a:bodyPr/>
+          <a:lstStyle/>
+          <a:p>
+            <a:endParaRPr lang="en-US"/>
+          </a:p>
+        </p:txBody>
+      </p:sp>
+      <p:sp>
+        <p:nvSpPr>
+          <p:cNvPr id="3" name="Text Placeholder 2">
+            <a:extLst>
+              <a:ext uri="{FF2B5EF4-FFF2-40B4-BE49-F238E27FC236}">
+                <a16:creationId xmlns:a16="http://schemas.microsoft.com/office/drawing/2014/main" id="{522B8CBF-9852-4533-B3FD-E743D7CBA78F}"/>
+              </a:ext>
+            </a:extLst>
+          </p:cNvPr>
+          <p:cNvSpPr>
+            <a:spLocks noGrp="1"/>
+          </p:cNvSpPr>
+          <p:nvPr>
+            <p:ph type="body" sz="quarter" idx="14"/>
+          </p:nvPr>
+        </p:nvSpPr>
+        <p:spPr/>
+        <p:txBody>
+          <a:bodyPr/>
+          <a:lstStyle/>
+          <a:p>
+            <a:r>
+              <a:rPr lang="en-US" dirty="0"/>
+              <a:t>Game Mechanics</a:t>
+            </a:r>
+          </a:p>
+        </p:txBody>
+      </p:sp>
+      <p:sp>
+        <p:nvSpPr>
+          <p:cNvPr id="4" name="Text Placeholder 3">
+            <a:extLst>
+              <a:ext uri="{FF2B5EF4-FFF2-40B4-BE49-F238E27FC236}">
+                <a16:creationId xmlns:a16="http://schemas.microsoft.com/office/drawing/2014/main" id="{B955A044-F877-424F-B8AB-332316E0D8B4}"/>
+              </a:ext>
+            </a:extLst>
+          </p:cNvPr>
+          <p:cNvSpPr>
+            <a:spLocks noGrp="1"/>
+          </p:cNvSpPr>
+          <p:nvPr>
+            <p:ph type="body" sz="quarter" idx="15"/>
+          </p:nvPr>
+        </p:nvSpPr>
+        <p:spPr/>
+        <p:txBody>
+          <a:bodyPr/>
+          <a:lstStyle/>
+          <a:p>
+            <a:r>
+              <a:rPr lang="en-US" dirty="0"/>
+              <a:t>Viewing the course</a:t>
+            </a:r>
+          </a:p>
+          <a:p>
+            <a:pPr marL="0" indent="0">
+              <a:buNone/>
+            </a:pPr>
+            <a:endParaRPr lang="en-US" dirty="0"/>
+          </a:p>
+        </p:txBody>
+      </p:sp>
+    </p:spTree>
+    <p:extLst>
+      <p:ext uri="{BB962C8B-B14F-4D97-AF65-F5344CB8AC3E}">
+        <p14:creationId xmlns:p14="http://schemas.microsoft.com/office/powerpoint/2010/main" val="2208537372"/>
+      </p:ext>
+    </p:extLst>
+  </p:cSld>
+  <p:clrMapOvr>
+    <a:masterClrMapping/>
+  </p:clrMapOvr>
+</p:sld>
+</file>
+
+<file path=ppt/slides/slide15.xml><?xml version="1.0" encoding="utf-8"?>
+<p:sld xmlns:a="http://schemas.openxmlformats.org/drawingml/2006/main" xmlns:r="http://schemas.openxmlformats.org/officeDocument/2006/relationships" xmlns:p="http://schemas.openxmlformats.org/presentationml/2006/main">
+  <p:cSld>
+    <p:spTree>
+      <p:nvGrpSpPr>
+        <p:cNvPr id="1" name=""/>
+        <p:cNvGrpSpPr/>
+        <p:nvPr/>
+      </p:nvGrpSpPr>
+      <p:grpSpPr>
+        <a:xfrm>
+          <a:off x="0" y="0"/>
+          <a:ext cx="0" cy="0"/>
+          <a:chOff x="0" y="0"/>
+          <a:chExt cx="0" cy="0"/>
+        </a:xfrm>
+      </p:grpSpPr>
+      <p:sp>
+        <p:nvSpPr>
+          <p:cNvPr id="2" name="Text Placeholder 1">
+            <a:extLst>
+              <a:ext uri="{FF2B5EF4-FFF2-40B4-BE49-F238E27FC236}">
+                <a16:creationId xmlns:a16="http://schemas.microsoft.com/office/drawing/2014/main" id="{35901BA2-778D-4F14-ABB3-D8EC7BA447C4}"/>
+              </a:ext>
+            </a:extLst>
+          </p:cNvPr>
+          <p:cNvSpPr>
+            <a:spLocks noGrp="1"/>
+          </p:cNvSpPr>
+          <p:nvPr>
+            <p:ph type="body" sz="quarter" idx="13"/>
+          </p:nvPr>
+        </p:nvSpPr>
+        <p:spPr/>
+        <p:txBody>
+          <a:bodyPr/>
+          <a:lstStyle/>
+          <a:p>
+            <a:endParaRPr lang="en-US"/>
+          </a:p>
+        </p:txBody>
+      </p:sp>
+      <p:sp>
+        <p:nvSpPr>
+          <p:cNvPr id="3" name="Text Placeholder 2">
+            <a:extLst>
+              <a:ext uri="{FF2B5EF4-FFF2-40B4-BE49-F238E27FC236}">
+                <a16:creationId xmlns:a16="http://schemas.microsoft.com/office/drawing/2014/main" id="{522B8CBF-9852-4533-B3FD-E743D7CBA78F}"/>
+              </a:ext>
+            </a:extLst>
+          </p:cNvPr>
+          <p:cNvSpPr>
+            <a:spLocks noGrp="1"/>
+          </p:cNvSpPr>
+          <p:nvPr>
+            <p:ph type="body" sz="quarter" idx="14"/>
+          </p:nvPr>
+        </p:nvSpPr>
+        <p:spPr/>
+        <p:txBody>
+          <a:bodyPr/>
+          <a:lstStyle/>
+          <a:p>
+            <a:r>
+              <a:rPr lang="en-US" dirty="0"/>
+              <a:t>Game Mechanics</a:t>
+            </a:r>
+          </a:p>
+        </p:txBody>
+      </p:sp>
+      <p:sp>
+        <p:nvSpPr>
+          <p:cNvPr id="4" name="Text Placeholder 3">
+            <a:extLst>
+              <a:ext uri="{FF2B5EF4-FFF2-40B4-BE49-F238E27FC236}">
+                <a16:creationId xmlns:a16="http://schemas.microsoft.com/office/drawing/2014/main" id="{B955A044-F877-424F-B8AB-332316E0D8B4}"/>
+              </a:ext>
+            </a:extLst>
+          </p:cNvPr>
+          <p:cNvSpPr>
+            <a:spLocks noGrp="1"/>
+          </p:cNvSpPr>
+          <p:nvPr>
+            <p:ph type="body" sz="quarter" idx="15"/>
+          </p:nvPr>
+        </p:nvSpPr>
+        <p:spPr/>
+        <p:txBody>
+          <a:bodyPr/>
+          <a:lstStyle/>
+          <a:p>
+            <a:r>
+              <a:rPr lang="en-US" dirty="0"/>
+              <a:t>Keeping Score</a:t>
+            </a:r>
+          </a:p>
+          <a:p>
+            <a:pPr marL="0" indent="0">
+              <a:buNone/>
+            </a:pPr>
+            <a:endParaRPr lang="en-US" dirty="0"/>
+          </a:p>
+        </p:txBody>
+      </p:sp>
+    </p:spTree>
+    <p:extLst>
+      <p:ext uri="{BB962C8B-B14F-4D97-AF65-F5344CB8AC3E}">
+        <p14:creationId xmlns:p14="http://schemas.microsoft.com/office/powerpoint/2010/main" val="1720343692"/>
+      </p:ext>
+    </p:extLst>
+  </p:cSld>
+  <p:clrMapOvr>
+    <a:masterClrMapping/>
+  </p:clrMapOvr>
+</p:sld>
+</file>
+
+<file path=ppt/slides/slide16.xml><?xml version="1.0" encoding="utf-8"?>
+<p:sld xmlns:a="http://schemas.openxmlformats.org/drawingml/2006/main" xmlns:r="http://schemas.openxmlformats.org/officeDocument/2006/relationships" xmlns:p="http://schemas.openxmlformats.org/presentationml/2006/main">
+  <p:cSld>
+    <p:spTree>
+      <p:nvGrpSpPr>
+        <p:cNvPr id="1" name=""/>
+        <p:cNvGrpSpPr/>
+        <p:nvPr/>
+      </p:nvGrpSpPr>
+      <p:grpSpPr>
+        <a:xfrm>
+          <a:off x="0" y="0"/>
+          <a:ext cx="0" cy="0"/>
+          <a:chOff x="0" y="0"/>
+          <a:chExt cx="0" cy="0"/>
+        </a:xfrm>
+      </p:grpSpPr>
+      <p:sp>
+        <p:nvSpPr>
+          <p:cNvPr id="3" name="Text Placeholder 2">
+            <a:extLst>
+              <a:ext uri="{FF2B5EF4-FFF2-40B4-BE49-F238E27FC236}">
+                <a16:creationId xmlns:a16="http://schemas.microsoft.com/office/drawing/2014/main" id="{9A8FE9B2-DF60-4260-9FEA-DC59F1B46EAD}"/>
+              </a:ext>
+            </a:extLst>
+          </p:cNvPr>
+          <p:cNvSpPr>
+            <a:spLocks noGrp="1"/>
+          </p:cNvSpPr>
+          <p:nvPr>
+            <p:ph type="body" sz="quarter" idx="14"/>
+          </p:nvPr>
+        </p:nvSpPr>
+        <p:spPr/>
+        <p:txBody>
+          <a:bodyPr/>
+          <a:lstStyle/>
+          <a:p>
+            <a:r>
+              <a:rPr lang="en-US" dirty="0"/>
+              <a:t>Expanding to 9 holes</a:t>
+            </a:r>
+          </a:p>
+        </p:txBody>
+      </p:sp>
+      <p:sp>
+        <p:nvSpPr>
+          <p:cNvPr id="4" name="Text Placeholder 3">
+            <a:extLst>
+              <a:ext uri="{FF2B5EF4-FFF2-40B4-BE49-F238E27FC236}">
+                <a16:creationId xmlns:a16="http://schemas.microsoft.com/office/drawing/2014/main" id="{66F342C5-119E-4A0E-8A52-C62CE007D27D}"/>
+              </a:ext>
+            </a:extLst>
+          </p:cNvPr>
+          <p:cNvSpPr>
+            <a:spLocks noGrp="1"/>
+          </p:cNvSpPr>
+          <p:nvPr>
+            <p:ph type="body" sz="quarter" idx="15"/>
+          </p:nvPr>
+        </p:nvSpPr>
+        <p:spPr/>
+        <p:txBody>
+          <a:bodyPr/>
+          <a:lstStyle/>
+          <a:p>
+            <a:r>
+              <a:rPr lang="en-US" dirty="0"/>
+              <a:t>Build the green in Blender</a:t>
+            </a:r>
+          </a:p>
+          <a:p>
+            <a:r>
+              <a:rPr lang="en-US" dirty="0"/>
+              <a:t>Import to unity and add materials</a:t>
+            </a:r>
+          </a:p>
+        </p:txBody>
+      </p:sp>
+      <p:pic>
+        <p:nvPicPr>
+          <p:cNvPr id="5" name="Picture 4">
+            <a:extLst>
+              <a:ext uri="{FF2B5EF4-FFF2-40B4-BE49-F238E27FC236}">
+                <a16:creationId xmlns:a16="http://schemas.microsoft.com/office/drawing/2014/main" id="{D229CE63-9B7E-48BB-875F-D141499CAF05}"/>
+              </a:ext>
+            </a:extLst>
+          </p:cNvPr>
+          <p:cNvPicPr>
+            <a:picLocks noChangeAspect="1"/>
+          </p:cNvPicPr>
+          <p:nvPr/>
+        </p:nvPicPr>
+        <p:blipFill rotWithShape="1">
+          <a:blip r:embed="rId2"/>
+          <a:srcRect r="3741"/>
+          <a:stretch/>
+        </p:blipFill>
+        <p:spPr>
+          <a:xfrm>
+            <a:off x="450137" y="3244956"/>
+            <a:ext cx="5391863" cy="3014940"/>
+          </a:xfrm>
+          <a:prstGeom prst="rect">
+            <a:avLst/>
+          </a:prstGeom>
+        </p:spPr>
+      </p:pic>
+      <p:pic>
+        <p:nvPicPr>
+          <p:cNvPr id="6" name="Picture 5">
+            <a:extLst>
+              <a:ext uri="{FF2B5EF4-FFF2-40B4-BE49-F238E27FC236}">
+                <a16:creationId xmlns:a16="http://schemas.microsoft.com/office/drawing/2014/main" id="{D04D7621-CE1E-4145-BA26-1785C007BC25}"/>
+              </a:ext>
+            </a:extLst>
+          </p:cNvPr>
+          <p:cNvPicPr>
+            <a:picLocks noChangeAspect="1"/>
+          </p:cNvPicPr>
+          <p:nvPr/>
+        </p:nvPicPr>
+        <p:blipFill>
+          <a:blip r:embed="rId3"/>
+          <a:stretch>
+            <a:fillRect/>
+          </a:stretch>
+        </p:blipFill>
+        <p:spPr>
+          <a:xfrm>
+            <a:off x="5842000" y="3244956"/>
+            <a:ext cx="5899863" cy="3018534"/>
+          </a:xfrm>
+          <a:prstGeom prst="rect">
+            <a:avLst/>
+          </a:prstGeom>
+        </p:spPr>
+      </p:pic>
+      <p:pic>
+        <p:nvPicPr>
+          <p:cNvPr id="7" name="Picture 6">
+            <a:extLst>
+              <a:ext uri="{FF2B5EF4-FFF2-40B4-BE49-F238E27FC236}">
+                <a16:creationId xmlns:a16="http://schemas.microsoft.com/office/drawing/2014/main" id="{3E4C9B93-3ACD-4069-887D-F9792425F20B}"/>
+              </a:ext>
+            </a:extLst>
+          </p:cNvPr>
+          <p:cNvPicPr>
+            <a:picLocks noChangeAspect="1"/>
+          </p:cNvPicPr>
+          <p:nvPr/>
+        </p:nvPicPr>
+        <p:blipFill rotWithShape="1">
+          <a:blip r:embed="rId2"/>
+          <a:srcRect l="82769" t="25271" r="3740" b="58933"/>
+          <a:stretch/>
+        </p:blipFill>
+        <p:spPr>
+          <a:xfrm>
+            <a:off x="5391863" y="3345194"/>
+            <a:ext cx="755650" cy="769606"/>
+          </a:xfrm>
+          <a:prstGeom prst="rect">
+            <a:avLst/>
+          </a:prstGeom>
+        </p:spPr>
+      </p:pic>
+    </p:spTree>
+    <p:extLst>
+      <p:ext uri="{BB962C8B-B14F-4D97-AF65-F5344CB8AC3E}">
+        <p14:creationId xmlns:p14="http://schemas.microsoft.com/office/powerpoint/2010/main" val="2060814654"/>
+      </p:ext>
+    </p:extLst>
+  </p:cSld>
+  <p:clrMapOvr>
+    <a:masterClrMapping/>
+  </p:clrMapOvr>
+</p:sld>
+</file>
+
+<file path=ppt/slides/slide17.xml><?xml version="1.0" encoding="utf-8"?>
+<p:sld xmlns:a="http://schemas.openxmlformats.org/drawingml/2006/main" xmlns:r="http://schemas.openxmlformats.org/officeDocument/2006/relationships" xmlns:p="http://schemas.openxmlformats.org/presentationml/2006/main">
+  <p:cSld>
+    <p:spTree>
+      <p:nvGrpSpPr>
+        <p:cNvPr id="1" name=""/>
+        <p:cNvGrpSpPr/>
+        <p:nvPr/>
+      </p:nvGrpSpPr>
+      <p:grpSpPr>
+        <a:xfrm>
+          <a:off x="0" y="0"/>
+          <a:ext cx="0" cy="0"/>
+          <a:chOff x="0" y="0"/>
+          <a:chExt cx="0" cy="0"/>
+        </a:xfrm>
+      </p:grpSpPr>
+      <p:sp>
+        <p:nvSpPr>
+          <p:cNvPr id="2" name="Text Placeholder 1">
+            <a:extLst>
+              <a:ext uri="{FF2B5EF4-FFF2-40B4-BE49-F238E27FC236}">
+                <a16:creationId xmlns:a16="http://schemas.microsoft.com/office/drawing/2014/main" id="{66A1832D-5612-4D8E-A6E9-996608C342B4}"/>
+              </a:ext>
+            </a:extLst>
+          </p:cNvPr>
+          <p:cNvSpPr>
+            <a:spLocks noGrp="1"/>
+          </p:cNvSpPr>
+          <p:nvPr>
+            <p:ph type="body" sz="quarter" idx="13"/>
+          </p:nvPr>
+        </p:nvSpPr>
+        <p:spPr/>
+        <p:txBody>
+          <a:bodyPr/>
+          <a:lstStyle/>
+          <a:p>
+            <a:endParaRPr lang="en-US"/>
+          </a:p>
+        </p:txBody>
+      </p:sp>
+      <p:sp>
+        <p:nvSpPr>
+          <p:cNvPr id="3" name="Text Placeholder 2">
+            <a:extLst>
+              <a:ext uri="{FF2B5EF4-FFF2-40B4-BE49-F238E27FC236}">
+                <a16:creationId xmlns:a16="http://schemas.microsoft.com/office/drawing/2014/main" id="{5727395B-1CF7-429A-BA37-59D13FF9A9B3}"/>
+              </a:ext>
+            </a:extLst>
+          </p:cNvPr>
+          <p:cNvSpPr>
+            <a:spLocks noGrp="1"/>
+          </p:cNvSpPr>
+          <p:nvPr>
+            <p:ph type="body" sz="quarter" idx="14"/>
+          </p:nvPr>
+        </p:nvSpPr>
+        <p:spPr/>
+        <p:txBody>
+          <a:bodyPr/>
+          <a:lstStyle/>
+          <a:p>
+            <a:r>
+              <a:rPr lang="en-US" dirty="0"/>
+              <a:t>Growing Pains</a:t>
+            </a:r>
+          </a:p>
+        </p:txBody>
+      </p:sp>
+      <p:sp>
+        <p:nvSpPr>
+          <p:cNvPr id="4" name="Text Placeholder 3">
+            <a:extLst>
+              <a:ext uri="{FF2B5EF4-FFF2-40B4-BE49-F238E27FC236}">
+                <a16:creationId xmlns:a16="http://schemas.microsoft.com/office/drawing/2014/main" id="{F7650096-3FDE-4055-8B81-2FAF5F607AD8}"/>
+              </a:ext>
+            </a:extLst>
+          </p:cNvPr>
+          <p:cNvSpPr>
+            <a:spLocks noGrp="1"/>
+          </p:cNvSpPr>
+          <p:nvPr>
+            <p:ph type="body" sz="quarter" idx="15"/>
+          </p:nvPr>
+        </p:nvSpPr>
+        <p:spPr/>
+        <p:txBody>
+          <a:bodyPr/>
+          <a:lstStyle/>
+          <a:p>
+            <a:r>
+              <a:rPr lang="en-US" dirty="0"/>
+              <a:t>Manually enter each starting position</a:t>
+            </a:r>
+          </a:p>
+        </p:txBody>
+      </p:sp>
+    </p:spTree>
+    <p:extLst>
+      <p:ext uri="{BB962C8B-B14F-4D97-AF65-F5344CB8AC3E}">
+        <p14:creationId xmlns:p14="http://schemas.microsoft.com/office/powerpoint/2010/main" val="242346959"/>
+      </p:ext>
+    </p:extLst>
+  </p:cSld>
+  <p:clrMapOvr>
+    <a:masterClrMapping/>
+  </p:clrMapOvr>
+</p:sld>
+</file>
+
+<file path=ppt/slides/slide18.xml><?xml version="1.0" encoding="utf-8"?>
+<p:sld xmlns:a="http://schemas.openxmlformats.org/drawingml/2006/main" xmlns:r="http://schemas.openxmlformats.org/officeDocument/2006/relationships" xmlns:p="http://schemas.openxmlformats.org/presentationml/2006/main">
+  <p:cSld>
+    <p:spTree>
+      <p:nvGrpSpPr>
+        <p:cNvPr id="1" name=""/>
+        <p:cNvGrpSpPr/>
+        <p:nvPr/>
+      </p:nvGrpSpPr>
+      <p:grpSpPr>
+        <a:xfrm>
+          <a:off x="0" y="0"/>
+          <a:ext cx="0" cy="0"/>
+          <a:chOff x="0" y="0"/>
+          <a:chExt cx="0" cy="0"/>
+        </a:xfrm>
+      </p:grpSpPr>
       <p:pic>
         <p:nvPicPr>
           <p:cNvPr id="3076" name="Picture 4" descr="Mini Golf Clipart Images">
@@ -5104,7 +5679,7 @@
 </p:sld>
 </file>
 
-<file path=ppt/slides/slide15.xml><?xml version="1.0" encoding="utf-8"?>
+<file path=ppt/slides/slide19.xml><?xml version="1.0" encoding="utf-8"?>
 <p:sld xmlns:a="http://schemas.openxmlformats.org/drawingml/2006/main" xmlns:r="http://schemas.openxmlformats.org/officeDocument/2006/relationships" xmlns:p="http://schemas.openxmlformats.org/presentationml/2006/main">
   <p:cSld>
     <p:spTree>
@@ -6069,12 +6644,77 @@
           <a:chExt cx="0" cy="0"/>
         </a:xfrm>
       </p:grpSpPr>
+      <p:sp>
+        <p:nvSpPr>
+          <p:cNvPr id="3" name="Text Placeholder 2">
+            <a:extLst>
+              <a:ext uri="{FF2B5EF4-FFF2-40B4-BE49-F238E27FC236}">
+                <a16:creationId xmlns:a16="http://schemas.microsoft.com/office/drawing/2014/main" id="{5C164BAC-A6F3-4E09-BC66-BEF916B21A2E}"/>
+              </a:ext>
+            </a:extLst>
+          </p:cNvPr>
+          <p:cNvSpPr>
+            <a:spLocks noGrp="1"/>
+          </p:cNvSpPr>
+          <p:nvPr>
+            <p:ph type="body" sz="quarter" idx="14"/>
+          </p:nvPr>
+        </p:nvSpPr>
+        <p:spPr/>
+        <p:txBody>
+          <a:bodyPr/>
+          <a:lstStyle/>
+          <a:p>
+            <a:r>
+              <a:rPr lang="en-US" dirty="0"/>
+              <a:t>Ball interactions</a:t>
+            </a:r>
+          </a:p>
+        </p:txBody>
+      </p:sp>
+      <p:sp>
+        <p:nvSpPr>
+          <p:cNvPr id="4" name="Text Placeholder 3">
+            <a:extLst>
+              <a:ext uri="{FF2B5EF4-FFF2-40B4-BE49-F238E27FC236}">
+                <a16:creationId xmlns:a16="http://schemas.microsoft.com/office/drawing/2014/main" id="{D7F8F67F-1935-410B-9DC1-375829C74069}"/>
+              </a:ext>
+            </a:extLst>
+          </p:cNvPr>
+          <p:cNvSpPr>
+            <a:spLocks noGrp="1"/>
+          </p:cNvSpPr>
+          <p:nvPr>
+            <p:ph type="body" sz="quarter" idx="15"/>
+          </p:nvPr>
+        </p:nvSpPr>
+        <p:spPr/>
+        <p:txBody>
+          <a:bodyPr/>
+          <a:lstStyle/>
+          <a:p>
+            <a:r>
+              <a:rPr lang="en-US" dirty="0"/>
+              <a:t>Tick Rate (x10)</a:t>
+            </a:r>
+          </a:p>
+          <a:p>
+            <a:r>
+              <a:rPr lang="en-US" dirty="0"/>
+              <a:t>Continuous Collisions</a:t>
+            </a:r>
+          </a:p>
+          <a:p>
+            <a:endParaRPr lang="en-US" dirty="0"/>
+          </a:p>
+        </p:txBody>
+      </p:sp>
       <p:pic>
         <p:nvPicPr>
-          <p:cNvPr id="5" name="Picture 4">
-            <a:extLst>
-              <a:ext uri="{FF2B5EF4-FFF2-40B4-BE49-F238E27FC236}">
-                <a16:creationId xmlns:a16="http://schemas.microsoft.com/office/drawing/2014/main" id="{B8CE7609-ECDC-47B6-BF4A-9312B389511A}"/>
+          <p:cNvPr id="2" name="Picture 1">
+            <a:extLst>
+              <a:ext uri="{FF2B5EF4-FFF2-40B4-BE49-F238E27FC236}">
+                <a16:creationId xmlns:a16="http://schemas.microsoft.com/office/drawing/2014/main" id="{9F65F040-D7DF-46FA-B28E-C0B3FD9D22E3}"/>
               </a:ext>
             </a:extLst>
           </p:cNvPr>
@@ -6091,8 +6731,8 @@
         </p:blipFill>
         <p:spPr>
           <a:xfrm>
-            <a:off x="2632494" y="2724448"/>
-            <a:ext cx="6927011" cy="3700563"/>
+            <a:off x="6586014" y="3628012"/>
+            <a:ext cx="3677163" cy="2000529"/>
           </a:xfrm>
           <a:prstGeom prst="rect">
             <a:avLst/>
@@ -6101,74 +6741,138 @@
       </p:pic>
       <p:sp>
         <p:nvSpPr>
-          <p:cNvPr id="3" name="Text Placeholder 2">
-            <a:extLst>
-              <a:ext uri="{FF2B5EF4-FFF2-40B4-BE49-F238E27FC236}">
-                <a16:creationId xmlns:a16="http://schemas.microsoft.com/office/drawing/2014/main" id="{9228F794-BA0D-45D8-9CEC-8363EB0BCF2E}"/>
-              </a:ext>
-            </a:extLst>
-          </p:cNvPr>
-          <p:cNvSpPr>
-            <a:spLocks noGrp="1"/>
-          </p:cNvSpPr>
-          <p:nvPr>
-            <p:ph type="body" sz="quarter" idx="14"/>
-          </p:nvPr>
-        </p:nvSpPr>
-        <p:spPr/>
-        <p:txBody>
-          <a:bodyPr/>
+          <p:cNvPr id="5" name="Arrow: Right 4">
+            <a:extLst>
+              <a:ext uri="{FF2B5EF4-FFF2-40B4-BE49-F238E27FC236}">
+                <a16:creationId xmlns:a16="http://schemas.microsoft.com/office/drawing/2014/main" id="{0FB05C7D-5B9A-40A2-B2DE-89BACA4F9303}"/>
+              </a:ext>
+            </a:extLst>
+          </p:cNvPr>
+          <p:cNvSpPr/>
+          <p:nvPr/>
+        </p:nvSpPr>
+        <p:spPr>
+          <a:xfrm rot="10800000">
+            <a:off x="10352669" y="5041901"/>
+            <a:ext cx="709938" cy="153346"/>
+          </a:xfrm>
+          <a:prstGeom prst="rightArrow">
+            <a:avLst/>
+          </a:prstGeom>
+          <a:solidFill>
+            <a:srgbClr val="D95E00"/>
+          </a:solidFill>
+          <a:ln>
+            <a:noFill/>
+          </a:ln>
+        </p:spPr>
+        <p:style>
+          <a:lnRef idx="1">
+            <a:schemeClr val="accent1"/>
+          </a:lnRef>
+          <a:fillRef idx="3">
+            <a:schemeClr val="accent1"/>
+          </a:fillRef>
+          <a:effectRef idx="2">
+            <a:schemeClr val="accent1"/>
+          </a:effectRef>
+          <a:fontRef idx="minor">
+            <a:schemeClr val="lt1"/>
+          </a:fontRef>
+        </p:style>
+        <p:txBody>
+          <a:bodyPr rtlCol="0" anchor="ctr"/>
           <a:lstStyle/>
           <a:p>
-            <a:r>
-              <a:rPr lang="en-US" dirty="0"/>
-              <a:t>Better Hole</a:t>
-            </a:r>
-          </a:p>
-        </p:txBody>
-      </p:sp>
-      <p:sp>
-        <p:nvSpPr>
-          <p:cNvPr id="4" name="Text Placeholder 3">
-            <a:extLst>
-              <a:ext uri="{FF2B5EF4-FFF2-40B4-BE49-F238E27FC236}">
-                <a16:creationId xmlns:a16="http://schemas.microsoft.com/office/drawing/2014/main" id="{48C38C7E-B160-4D7D-A795-921E87A402A0}"/>
-              </a:ext>
-            </a:extLst>
-          </p:cNvPr>
-          <p:cNvSpPr>
-            <a:spLocks noGrp="1"/>
-          </p:cNvSpPr>
-          <p:nvPr>
-            <p:ph type="body" sz="quarter" idx="15"/>
-          </p:nvPr>
-        </p:nvSpPr>
-        <p:spPr/>
-        <p:txBody>
-          <a:bodyPr/>
+            <a:pPr algn="ctr"/>
+            <a:endParaRPr lang="en-US"/>
+          </a:p>
+        </p:txBody>
+      </p:sp>
+      <p:pic>
+        <p:nvPicPr>
+          <p:cNvPr id="6" name="Picture 5">
+            <a:extLst>
+              <a:ext uri="{FF2B5EF4-FFF2-40B4-BE49-F238E27FC236}">
+                <a16:creationId xmlns:a16="http://schemas.microsoft.com/office/drawing/2014/main" id="{15A2466E-1D01-4AFF-B0BF-23A60E6BBC0F}"/>
+              </a:ext>
+            </a:extLst>
+          </p:cNvPr>
+          <p:cNvPicPr>
+            <a:picLocks noChangeAspect="1"/>
+          </p:cNvPicPr>
+          <p:nvPr/>
+        </p:nvPicPr>
+        <p:blipFill>
+          <a:blip r:embed="rId3"/>
+          <a:stretch>
+            <a:fillRect/>
+          </a:stretch>
+        </p:blipFill>
+        <p:spPr>
+          <a:xfrm>
+            <a:off x="1495059" y="4061129"/>
+            <a:ext cx="4296375" cy="1209844"/>
+          </a:xfrm>
+          <a:prstGeom prst="rect">
+            <a:avLst/>
+          </a:prstGeom>
+        </p:spPr>
+      </p:pic>
+      <p:sp>
+        <p:nvSpPr>
+          <p:cNvPr id="8" name="Arrow: Right 7">
+            <a:extLst>
+              <a:ext uri="{FF2B5EF4-FFF2-40B4-BE49-F238E27FC236}">
+                <a16:creationId xmlns:a16="http://schemas.microsoft.com/office/drawing/2014/main" id="{A7154C8A-4043-46E4-843F-C7D0C08CDC4E}"/>
+              </a:ext>
+            </a:extLst>
+          </p:cNvPr>
+          <p:cNvSpPr/>
+          <p:nvPr/>
+        </p:nvSpPr>
+        <p:spPr>
+          <a:xfrm>
+            <a:off x="651131" y="4427568"/>
+            <a:ext cx="709938" cy="153346"/>
+          </a:xfrm>
+          <a:prstGeom prst="rightArrow">
+            <a:avLst/>
+          </a:prstGeom>
+          <a:solidFill>
+            <a:srgbClr val="D95E00"/>
+          </a:solidFill>
+          <a:ln>
+            <a:noFill/>
+          </a:ln>
+        </p:spPr>
+        <p:style>
+          <a:lnRef idx="1">
+            <a:schemeClr val="accent1"/>
+          </a:lnRef>
+          <a:fillRef idx="3">
+            <a:schemeClr val="accent1"/>
+          </a:fillRef>
+          <a:effectRef idx="2">
+            <a:schemeClr val="accent1"/>
+          </a:effectRef>
+          <a:fontRef idx="minor">
+            <a:schemeClr val="lt1"/>
+          </a:fontRef>
+        </p:style>
+        <p:txBody>
+          <a:bodyPr rtlCol="0" anchor="ctr"/>
           <a:lstStyle/>
           <a:p>
-            <a:r>
-              <a:rPr lang="en-US" dirty="0"/>
-              <a:t>Fake hole </a:t>
-            </a:r>
-            <a:r>
-              <a:rPr lang="en-US" dirty="0">
-                <a:hlinkClick r:id="rId3"/>
-              </a:rPr>
-              <a:t>tutorial</a:t>
-            </a:r>
-            <a:r>
-              <a:rPr lang="en-US" dirty="0"/>
-              <a:t> in Unity without changing mesh</a:t>
-            </a:r>
+            <a:pPr algn="ctr"/>
+            <a:endParaRPr lang="en-US"/>
           </a:p>
         </p:txBody>
       </p:sp>
     </p:spTree>
     <p:extLst>
       <p:ext uri="{BB962C8B-B14F-4D97-AF65-F5344CB8AC3E}">
-        <p14:creationId xmlns:p14="http://schemas.microsoft.com/office/powerpoint/2010/main" val="3751019186"/>
+        <p14:creationId xmlns:p14="http://schemas.microsoft.com/office/powerpoint/2010/main" val="2272480091"/>
       </p:ext>
     </p:extLst>
   </p:cSld>
@@ -6195,12 +6899,42 @@
           <a:chExt cx="0" cy="0"/>
         </a:xfrm>
       </p:grpSpPr>
+      <p:pic>
+        <p:nvPicPr>
+          <p:cNvPr id="5" name="Picture 4">
+            <a:extLst>
+              <a:ext uri="{FF2B5EF4-FFF2-40B4-BE49-F238E27FC236}">
+                <a16:creationId xmlns:a16="http://schemas.microsoft.com/office/drawing/2014/main" id="{B8CE7609-ECDC-47B6-BF4A-9312B389511A}"/>
+              </a:ext>
+            </a:extLst>
+          </p:cNvPr>
+          <p:cNvPicPr>
+            <a:picLocks noChangeAspect="1"/>
+          </p:cNvPicPr>
+          <p:nvPr/>
+        </p:nvPicPr>
+        <p:blipFill>
+          <a:blip r:embed="rId2"/>
+          <a:stretch>
+            <a:fillRect/>
+          </a:stretch>
+        </p:blipFill>
+        <p:spPr>
+          <a:xfrm>
+            <a:off x="2632494" y="2724448"/>
+            <a:ext cx="6927011" cy="3700563"/>
+          </a:xfrm>
+          <a:prstGeom prst="rect">
+            <a:avLst/>
+          </a:prstGeom>
+        </p:spPr>
+      </p:pic>
       <p:sp>
         <p:nvSpPr>
           <p:cNvPr id="3" name="Text Placeholder 2">
             <a:extLst>
               <a:ext uri="{FF2B5EF4-FFF2-40B4-BE49-F238E27FC236}">
-                <a16:creationId xmlns:a16="http://schemas.microsoft.com/office/drawing/2014/main" id="{CE8203DE-F397-46AF-B73D-866CF3949391}"/>
+                <a16:creationId xmlns:a16="http://schemas.microsoft.com/office/drawing/2014/main" id="{9228F794-BA0D-45D8-9CEC-8363EB0BCF2E}"/>
               </a:ext>
             </a:extLst>
           </p:cNvPr>
@@ -6218,7 +6952,7 @@
           <a:p>
             <a:r>
               <a:rPr lang="en-US" dirty="0"/>
-              <a:t>Better Club</a:t>
+              <a:t>Better Hole</a:t>
             </a:r>
           </a:p>
         </p:txBody>
@@ -6228,7 +6962,7 @@
           <p:cNvPr id="4" name="Text Placeholder 3">
             <a:extLst>
               <a:ext uri="{FF2B5EF4-FFF2-40B4-BE49-F238E27FC236}">
-                <a16:creationId xmlns:a16="http://schemas.microsoft.com/office/drawing/2014/main" id="{F80CEA8E-E541-4B1A-A862-344816512889}"/>
+                <a16:creationId xmlns:a16="http://schemas.microsoft.com/office/drawing/2014/main" id="{48C38C7E-B160-4D7D-A795-921E87A402A0}"/>
               </a:ext>
             </a:extLst>
           </p:cNvPr>
@@ -6246,85 +6980,25 @@
           <a:p>
             <a:r>
               <a:rPr lang="en-US" dirty="0"/>
-              <a:t>Improved club model found </a:t>
+              <a:t>Fake hole </a:t>
             </a:r>
             <a:r>
               <a:rPr lang="en-US" dirty="0">
-                <a:hlinkClick r:id="rId2"/>
+                <a:hlinkClick r:id="rId3"/>
               </a:rPr>
-              <a:t>online</a:t>
-            </a:r>
-            <a:r>
-              <a:rPr lang="en-US" dirty="0"/>
-              <a:t> for free</a:t>
-            </a:r>
-          </a:p>
-        </p:txBody>
-      </p:sp>
-      <p:pic>
-        <p:nvPicPr>
-          <p:cNvPr id="5" name="Picture 4">
-            <a:extLst>
-              <a:ext uri="{FF2B5EF4-FFF2-40B4-BE49-F238E27FC236}">
-                <a16:creationId xmlns:a16="http://schemas.microsoft.com/office/drawing/2014/main" id="{9B9A4E7D-B0A3-45B3-A272-2C3EF13285A3}"/>
-              </a:ext>
-            </a:extLst>
-          </p:cNvPr>
-          <p:cNvPicPr>
-            <a:picLocks noChangeAspect="1"/>
-          </p:cNvPicPr>
-          <p:nvPr/>
-        </p:nvPicPr>
-        <p:blipFill>
-          <a:blip r:embed="rId3"/>
-          <a:stretch>
-            <a:fillRect/>
-          </a:stretch>
-        </p:blipFill>
-        <p:spPr>
-          <a:xfrm>
-            <a:off x="1988717" y="2561066"/>
-            <a:ext cx="5834484" cy="4087383"/>
-          </a:xfrm>
-          <a:prstGeom prst="rect">
-            <a:avLst/>
-          </a:prstGeom>
-        </p:spPr>
-      </p:pic>
-      <p:pic>
-        <p:nvPicPr>
-          <p:cNvPr id="6" name="Picture 5">
-            <a:extLst>
-              <a:ext uri="{FF2B5EF4-FFF2-40B4-BE49-F238E27FC236}">
-                <a16:creationId xmlns:a16="http://schemas.microsoft.com/office/drawing/2014/main" id="{C3D747D7-8FA9-4514-855E-43C7165633A7}"/>
-              </a:ext>
-            </a:extLst>
-          </p:cNvPr>
-          <p:cNvPicPr>
-            <a:picLocks noChangeAspect="1"/>
-          </p:cNvPicPr>
-          <p:nvPr/>
-        </p:nvPicPr>
-        <p:blipFill>
-          <a:blip r:embed="rId4"/>
-          <a:stretch>
-            <a:fillRect/>
-          </a:stretch>
-        </p:blipFill>
-        <p:spPr>
-          <a:xfrm>
-            <a:off x="7823201" y="2561066"/>
-            <a:ext cx="2376804" cy="4087383"/>
-          </a:xfrm>
-          <a:prstGeom prst="rect">
-            <a:avLst/>
-          </a:prstGeom>
-        </p:spPr>
-      </p:pic>
+              <a:t>tutorial</a:t>
+            </a:r>
+            <a:r>
+              <a:rPr lang="en-US" dirty="0"/>
+              <a:t> in Unity without changing mesh</a:t>
+            </a:r>
+          </a:p>
+        </p:txBody>
+      </p:sp>
     </p:spTree>
     <p:extLst>
       <p:ext uri="{BB962C8B-B14F-4D97-AF65-F5344CB8AC3E}">
-        <p14:creationId xmlns:p14="http://schemas.microsoft.com/office/powerpoint/2010/main" val="762329792"/>
+        <p14:creationId xmlns:p14="http://schemas.microsoft.com/office/powerpoint/2010/main" val="3751019186"/>
       </p:ext>
     </p:extLst>
   </p:cSld>

--- a/PuttPuttGolfPresentation.pptx
+++ b/PuttPuttGolfPresentation.pptx
@@ -271,7 +271,7 @@
           <a:p>
             <a:fld id="{DF9C6931-D0F6-AB40-9D7F-95567148A5C2}" type="datetimeFigureOut">
               <a:rPr lang="en-US" smtClean="0"/>
-              <a:t>4/21/2020</a:t>
+              <a:t>4/22/2020</a:t>
             </a:fld>
             <a:endParaRPr lang="en-US"/>
           </a:p>
@@ -448,7 +448,7 @@
           <a:p>
             <a:fld id="{736C18F2-6801-5147-A332-A6E1C7D69D18}" type="datetimeFigureOut">
               <a:rPr lang="en-US" smtClean="0"/>
-              <a:t>4/21/2020</a:t>
+              <a:t>4/22/2020</a:t>
             </a:fld>
             <a:endParaRPr lang="en-US"/>
           </a:p>
@@ -4645,31 +4645,6 @@
       </p:grpSpPr>
       <p:sp>
         <p:nvSpPr>
-          <p:cNvPr id="2" name="Text Placeholder 1">
-            <a:extLst>
-              <a:ext uri="{FF2B5EF4-FFF2-40B4-BE49-F238E27FC236}">
-                <a16:creationId xmlns:a16="http://schemas.microsoft.com/office/drawing/2014/main" id="{35901BA2-778D-4F14-ABB3-D8EC7BA447C4}"/>
-              </a:ext>
-            </a:extLst>
-          </p:cNvPr>
-          <p:cNvSpPr>
-            <a:spLocks noGrp="1"/>
-          </p:cNvSpPr>
-          <p:nvPr>
-            <p:ph type="body" sz="quarter" idx="13"/>
-          </p:nvPr>
-        </p:nvSpPr>
-        <p:spPr/>
-        <p:txBody>
-          <a:bodyPr/>
-          <a:lstStyle/>
-          <a:p>
-            <a:endParaRPr lang="en-US"/>
-          </a:p>
-        </p:txBody>
-      </p:sp>
-      <p:sp>
-        <p:nvSpPr>
           <p:cNvPr id="3" name="Text Placeholder 2">
             <a:extLst>
               <a:ext uri="{FF2B5EF4-FFF2-40B4-BE49-F238E27FC236}">
@@ -4727,6 +4702,358 @@
               <a:buNone/>
             </a:pPr>
             <a:endParaRPr lang="en-US" dirty="0"/>
+          </a:p>
+        </p:txBody>
+      </p:sp>
+      <p:pic>
+        <p:nvPicPr>
+          <p:cNvPr id="5" name="Picture 4">
+            <a:extLst>
+              <a:ext uri="{FF2B5EF4-FFF2-40B4-BE49-F238E27FC236}">
+                <a16:creationId xmlns:a16="http://schemas.microsoft.com/office/drawing/2014/main" id="{D7CF8A17-0FF1-4AE7-8359-E91A42FCF318}"/>
+              </a:ext>
+            </a:extLst>
+          </p:cNvPr>
+          <p:cNvPicPr>
+            <a:picLocks noChangeAspect="1"/>
+          </p:cNvPicPr>
+          <p:nvPr/>
+        </p:nvPicPr>
+        <p:blipFill rotWithShape="1">
+          <a:blip r:embed="rId2"/>
+          <a:srcRect l="18366" r="19000" b="2483"/>
+          <a:stretch/>
+        </p:blipFill>
+        <p:spPr>
+          <a:xfrm>
+            <a:off x="4091596" y="2880365"/>
+            <a:ext cx="3502479" cy="3019182"/>
+          </a:xfrm>
+          <a:prstGeom prst="rect">
+            <a:avLst/>
+          </a:prstGeom>
+        </p:spPr>
+      </p:pic>
+      <p:pic>
+        <p:nvPicPr>
+          <p:cNvPr id="6" name="Picture 5">
+            <a:extLst>
+              <a:ext uri="{FF2B5EF4-FFF2-40B4-BE49-F238E27FC236}">
+                <a16:creationId xmlns:a16="http://schemas.microsoft.com/office/drawing/2014/main" id="{EE3C49C1-4597-4F75-9E7A-42C19DD48A4A}"/>
+              </a:ext>
+            </a:extLst>
+          </p:cNvPr>
+          <p:cNvPicPr>
+            <a:picLocks noChangeAspect="1"/>
+          </p:cNvPicPr>
+          <p:nvPr/>
+        </p:nvPicPr>
+        <p:blipFill rotWithShape="1">
+          <a:blip r:embed="rId3"/>
+          <a:srcRect l="31040" t="15260" r="28454"/>
+          <a:stretch/>
+        </p:blipFill>
+        <p:spPr>
+          <a:xfrm>
+            <a:off x="1764775" y="2880363"/>
+            <a:ext cx="2326821" cy="3019181"/>
+          </a:xfrm>
+          <a:prstGeom prst="rect">
+            <a:avLst/>
+          </a:prstGeom>
+        </p:spPr>
+      </p:pic>
+      <p:pic>
+        <p:nvPicPr>
+          <p:cNvPr id="7" name="Picture 6">
+            <a:extLst>
+              <a:ext uri="{FF2B5EF4-FFF2-40B4-BE49-F238E27FC236}">
+                <a16:creationId xmlns:a16="http://schemas.microsoft.com/office/drawing/2014/main" id="{B735ADDD-BDF3-43BF-A6BD-84F689EAEF52}"/>
+              </a:ext>
+            </a:extLst>
+          </p:cNvPr>
+          <p:cNvPicPr>
+            <a:picLocks noChangeAspect="1"/>
+          </p:cNvPicPr>
+          <p:nvPr/>
+        </p:nvPicPr>
+        <p:blipFill rotWithShape="1">
+          <a:blip r:embed="rId4"/>
+          <a:srcRect l="22308" t="6154" r="28857" b="2248"/>
+          <a:stretch/>
+        </p:blipFill>
+        <p:spPr>
+          <a:xfrm>
+            <a:off x="7594075" y="2880365"/>
+            <a:ext cx="2833149" cy="3019183"/>
+          </a:xfrm>
+          <a:prstGeom prst="rect">
+            <a:avLst/>
+          </a:prstGeom>
+        </p:spPr>
+      </p:pic>
+      <p:sp>
+        <p:nvSpPr>
+          <p:cNvPr id="8" name="Rectangle: Rounded Corners 7">
+            <a:extLst>
+              <a:ext uri="{FF2B5EF4-FFF2-40B4-BE49-F238E27FC236}">
+                <a16:creationId xmlns:a16="http://schemas.microsoft.com/office/drawing/2014/main" id="{C5EECF46-6352-4AAA-90CF-1BE224A549F9}"/>
+              </a:ext>
+            </a:extLst>
+          </p:cNvPr>
+          <p:cNvSpPr/>
+          <p:nvPr/>
+        </p:nvSpPr>
+        <p:spPr>
+          <a:xfrm>
+            <a:off x="357809" y="4460682"/>
+            <a:ext cx="930302" cy="930302"/>
+          </a:xfrm>
+          <a:prstGeom prst="roundRect">
+            <a:avLst/>
+          </a:prstGeom>
+        </p:spPr>
+        <p:style>
+          <a:lnRef idx="1">
+            <a:schemeClr val="dk1"/>
+          </a:lnRef>
+          <a:fillRef idx="3">
+            <a:schemeClr val="dk1"/>
+          </a:fillRef>
+          <a:effectRef idx="2">
+            <a:schemeClr val="dk1"/>
+          </a:effectRef>
+          <a:fontRef idx="minor">
+            <a:schemeClr val="lt1"/>
+          </a:fontRef>
+        </p:style>
+        <p:txBody>
+          <a:bodyPr rtlCol="0" anchor="ctr"/>
+          <a:lstStyle/>
+          <a:p>
+            <a:pPr algn="ctr"/>
+            <a:endParaRPr lang="en-US"/>
+          </a:p>
+        </p:txBody>
+      </p:sp>
+      <p:sp>
+        <p:nvSpPr>
+          <p:cNvPr id="9" name="Rectangle: Rounded Corners 8">
+            <a:extLst>
+              <a:ext uri="{FF2B5EF4-FFF2-40B4-BE49-F238E27FC236}">
+                <a16:creationId xmlns:a16="http://schemas.microsoft.com/office/drawing/2014/main" id="{1A83D3A5-B988-453C-9CAC-FA3D9E6CECCE}"/>
+              </a:ext>
+            </a:extLst>
+          </p:cNvPr>
+          <p:cNvSpPr/>
+          <p:nvPr/>
+        </p:nvSpPr>
+        <p:spPr>
+          <a:xfrm>
+            <a:off x="10903889" y="4460682"/>
+            <a:ext cx="930302" cy="930302"/>
+          </a:xfrm>
+          <a:prstGeom prst="roundRect">
+            <a:avLst/>
+          </a:prstGeom>
+        </p:spPr>
+        <p:style>
+          <a:lnRef idx="1">
+            <a:schemeClr val="dk1"/>
+          </a:lnRef>
+          <a:fillRef idx="3">
+            <a:schemeClr val="dk1"/>
+          </a:fillRef>
+          <a:effectRef idx="2">
+            <a:schemeClr val="dk1"/>
+          </a:effectRef>
+          <a:fontRef idx="minor">
+            <a:schemeClr val="lt1"/>
+          </a:fontRef>
+        </p:style>
+        <p:txBody>
+          <a:bodyPr rtlCol="0" anchor="ctr"/>
+          <a:lstStyle/>
+          <a:p>
+            <a:pPr algn="ctr"/>
+            <a:endParaRPr lang="en-US"/>
+          </a:p>
+        </p:txBody>
+      </p:sp>
+      <p:sp>
+        <p:nvSpPr>
+          <p:cNvPr id="10" name="Arrow: Right 9">
+            <a:extLst>
+              <a:ext uri="{FF2B5EF4-FFF2-40B4-BE49-F238E27FC236}">
+                <a16:creationId xmlns:a16="http://schemas.microsoft.com/office/drawing/2014/main" id="{0B719416-8DEA-4E48-8D11-3286BF907698}"/>
+              </a:ext>
+            </a:extLst>
+          </p:cNvPr>
+          <p:cNvSpPr/>
+          <p:nvPr/>
+        </p:nvSpPr>
+        <p:spPr>
+          <a:xfrm>
+            <a:off x="11124562" y="4763826"/>
+            <a:ext cx="500932" cy="324013"/>
+          </a:xfrm>
+          <a:prstGeom prst="rightArrow">
+            <a:avLst/>
+          </a:prstGeom>
+          <a:solidFill>
+            <a:schemeClr val="tx1"/>
+          </a:solidFill>
+        </p:spPr>
+        <p:style>
+          <a:lnRef idx="1">
+            <a:schemeClr val="dk1"/>
+          </a:lnRef>
+          <a:fillRef idx="2">
+            <a:schemeClr val="dk1"/>
+          </a:fillRef>
+          <a:effectRef idx="1">
+            <a:schemeClr val="dk1"/>
+          </a:effectRef>
+          <a:fontRef idx="minor">
+            <a:schemeClr val="dk1"/>
+          </a:fontRef>
+        </p:style>
+        <p:txBody>
+          <a:bodyPr rtlCol="0" anchor="ctr"/>
+          <a:lstStyle/>
+          <a:p>
+            <a:pPr algn="ctr"/>
+            <a:endParaRPr lang="en-US"/>
+          </a:p>
+        </p:txBody>
+      </p:sp>
+      <p:sp>
+        <p:nvSpPr>
+          <p:cNvPr id="11" name="Arrow: Right 10">
+            <a:extLst>
+              <a:ext uri="{FF2B5EF4-FFF2-40B4-BE49-F238E27FC236}">
+                <a16:creationId xmlns:a16="http://schemas.microsoft.com/office/drawing/2014/main" id="{E32BB2CC-3324-495E-B685-B7C85D8F50C5}"/>
+              </a:ext>
+            </a:extLst>
+          </p:cNvPr>
+          <p:cNvSpPr/>
+          <p:nvPr/>
+        </p:nvSpPr>
+        <p:spPr>
+          <a:xfrm rot="10800000">
+            <a:off x="546660" y="4754219"/>
+            <a:ext cx="500932" cy="324013"/>
+          </a:xfrm>
+          <a:prstGeom prst="rightArrow">
+            <a:avLst/>
+          </a:prstGeom>
+          <a:solidFill>
+            <a:schemeClr val="tx1"/>
+          </a:solidFill>
+        </p:spPr>
+        <p:style>
+          <a:lnRef idx="1">
+            <a:schemeClr val="dk1"/>
+          </a:lnRef>
+          <a:fillRef idx="2">
+            <a:schemeClr val="dk1"/>
+          </a:fillRef>
+          <a:effectRef idx="1">
+            <a:schemeClr val="dk1"/>
+          </a:effectRef>
+          <a:fontRef idx="minor">
+            <a:schemeClr val="dk1"/>
+          </a:fontRef>
+        </p:style>
+        <p:txBody>
+          <a:bodyPr rtlCol="0" anchor="ctr"/>
+          <a:lstStyle/>
+          <a:p>
+            <a:pPr algn="ctr"/>
+            <a:endParaRPr lang="en-US"/>
+          </a:p>
+        </p:txBody>
+      </p:sp>
+      <p:sp>
+        <p:nvSpPr>
+          <p:cNvPr id="12" name="Rectangle: Rounded Corners 11">
+            <a:extLst>
+              <a:ext uri="{FF2B5EF4-FFF2-40B4-BE49-F238E27FC236}">
+                <a16:creationId xmlns:a16="http://schemas.microsoft.com/office/drawing/2014/main" id="{8BA1924C-59DA-417F-8916-5649A072D7B7}"/>
+              </a:ext>
+            </a:extLst>
+          </p:cNvPr>
+          <p:cNvSpPr/>
+          <p:nvPr/>
+        </p:nvSpPr>
+        <p:spPr>
+          <a:xfrm>
+            <a:off x="4091596" y="6058892"/>
+            <a:ext cx="3899465" cy="655983"/>
+          </a:xfrm>
+          <a:prstGeom prst="roundRect">
+            <a:avLst/>
+          </a:prstGeom>
+        </p:spPr>
+        <p:style>
+          <a:lnRef idx="1">
+            <a:schemeClr val="dk1"/>
+          </a:lnRef>
+          <a:fillRef idx="3">
+            <a:schemeClr val="dk1"/>
+          </a:fillRef>
+          <a:effectRef idx="2">
+            <a:schemeClr val="dk1"/>
+          </a:effectRef>
+          <a:fontRef idx="minor">
+            <a:schemeClr val="lt1"/>
+          </a:fontRef>
+        </p:style>
+        <p:txBody>
+          <a:bodyPr rtlCol="0" anchor="ctr"/>
+          <a:lstStyle/>
+          <a:p>
+            <a:pPr algn="ctr"/>
+            <a:endParaRPr lang="en-US"/>
+          </a:p>
+        </p:txBody>
+      </p:sp>
+      <p:sp>
+        <p:nvSpPr>
+          <p:cNvPr id="13" name="Rectangle 12">
+            <a:extLst>
+              <a:ext uri="{FF2B5EF4-FFF2-40B4-BE49-F238E27FC236}">
+                <a16:creationId xmlns:a16="http://schemas.microsoft.com/office/drawing/2014/main" id="{0B3B7C73-316D-4906-B312-96EACD225FFC}"/>
+              </a:ext>
+            </a:extLst>
+          </p:cNvPr>
+          <p:cNvSpPr/>
+          <p:nvPr/>
+        </p:nvSpPr>
+        <p:spPr>
+          <a:xfrm>
+            <a:off x="5311170" y="6094495"/>
+            <a:ext cx="1569660" cy="584775"/>
+          </a:xfrm>
+          <a:prstGeom prst="rect">
+            <a:avLst/>
+          </a:prstGeom>
+          <a:noFill/>
+        </p:spPr>
+        <p:txBody>
+          <a:bodyPr wrap="none" lIns="91440" tIns="45720" rIns="91440" bIns="45720">
+            <a:spAutoFit/>
+          </a:bodyPr>
+          <a:lstStyle/>
+          <a:p>
+            <a:pPr algn="ctr"/>
+            <a:r>
+              <a:rPr lang="en-US" sz="3200" b="1" cap="none" spc="0" dirty="0">
+                <a:ln w="0"/>
+                <a:effectLst/>
+              </a:rPr>
+              <a:t>SPACE</a:t>
+            </a:r>
           </a:p>
         </p:txBody>
       </p:sp>
@@ -4762,31 +5089,6 @@
       </p:grpSpPr>
       <p:sp>
         <p:nvSpPr>
-          <p:cNvPr id="2" name="Text Placeholder 1">
-            <a:extLst>
-              <a:ext uri="{FF2B5EF4-FFF2-40B4-BE49-F238E27FC236}">
-                <a16:creationId xmlns:a16="http://schemas.microsoft.com/office/drawing/2014/main" id="{35901BA2-778D-4F14-ABB3-D8EC7BA447C4}"/>
-              </a:ext>
-            </a:extLst>
-          </p:cNvPr>
-          <p:cNvSpPr>
-            <a:spLocks noGrp="1"/>
-          </p:cNvSpPr>
-          <p:nvPr>
-            <p:ph type="body" sz="quarter" idx="13"/>
-          </p:nvPr>
-        </p:nvSpPr>
-        <p:spPr/>
-        <p:txBody>
-          <a:bodyPr/>
-          <a:lstStyle/>
-          <a:p>
-            <a:endParaRPr lang="en-US"/>
-          </a:p>
-        </p:txBody>
-      </p:sp>
-      <p:sp>
-        <p:nvSpPr>
           <p:cNvPr id="3" name="Text Placeholder 2">
             <a:extLst>
               <a:ext uri="{FF2B5EF4-FFF2-40B4-BE49-F238E27FC236}">
@@ -4829,7 +5131,12 @@
             <p:ph type="body" sz="quarter" idx="15"/>
           </p:nvPr>
         </p:nvSpPr>
-        <p:spPr/>
+        <p:spPr>
+          <a:xfrm>
+            <a:off x="272085" y="1744226"/>
+            <a:ext cx="11589952" cy="696384"/>
+          </a:xfrm>
+        </p:spPr>
         <p:txBody>
           <a:bodyPr/>
           <a:lstStyle/>
@@ -4847,6 +5154,327 @@
           </a:p>
         </p:txBody>
       </p:sp>
+      <p:pic>
+        <p:nvPicPr>
+          <p:cNvPr id="5" name="Picture 4">
+            <a:extLst>
+              <a:ext uri="{FF2B5EF4-FFF2-40B4-BE49-F238E27FC236}">
+                <a16:creationId xmlns:a16="http://schemas.microsoft.com/office/drawing/2014/main" id="{47BA7992-6685-44FA-99D5-A4F399A55790}"/>
+              </a:ext>
+            </a:extLst>
+          </p:cNvPr>
+          <p:cNvPicPr>
+            <a:picLocks noChangeAspect="1"/>
+          </p:cNvPicPr>
+          <p:nvPr/>
+        </p:nvPicPr>
+        <p:blipFill>
+          <a:blip r:embed="rId2"/>
+          <a:stretch>
+            <a:fillRect/>
+          </a:stretch>
+        </p:blipFill>
+        <p:spPr>
+          <a:xfrm>
+            <a:off x="3409575" y="3428106"/>
+            <a:ext cx="5372850" cy="543001"/>
+          </a:xfrm>
+          <a:prstGeom prst="rect">
+            <a:avLst/>
+          </a:prstGeom>
+        </p:spPr>
+      </p:pic>
+      <p:pic>
+        <p:nvPicPr>
+          <p:cNvPr id="6" name="Picture 5">
+            <a:extLst>
+              <a:ext uri="{FF2B5EF4-FFF2-40B4-BE49-F238E27FC236}">
+                <a16:creationId xmlns:a16="http://schemas.microsoft.com/office/drawing/2014/main" id="{F8E286F9-1820-47DD-8151-7F528414EAD4}"/>
+              </a:ext>
+            </a:extLst>
+          </p:cNvPr>
+          <p:cNvPicPr>
+            <a:picLocks noChangeAspect="1"/>
+          </p:cNvPicPr>
+          <p:nvPr/>
+        </p:nvPicPr>
+        <p:blipFill>
+          <a:blip r:embed="rId3"/>
+          <a:stretch>
+            <a:fillRect/>
+          </a:stretch>
+        </p:blipFill>
+        <p:spPr>
+          <a:xfrm>
+            <a:off x="3419101" y="2527389"/>
+            <a:ext cx="5382376" cy="523948"/>
+          </a:xfrm>
+          <a:prstGeom prst="rect">
+            <a:avLst/>
+          </a:prstGeom>
+        </p:spPr>
+      </p:pic>
+      <p:pic>
+        <p:nvPicPr>
+          <p:cNvPr id="7" name="Picture 6">
+            <a:extLst>
+              <a:ext uri="{FF2B5EF4-FFF2-40B4-BE49-F238E27FC236}">
+                <a16:creationId xmlns:a16="http://schemas.microsoft.com/office/drawing/2014/main" id="{9F718572-1256-4FDD-9C94-0C21CA0072CF}"/>
+              </a:ext>
+            </a:extLst>
+          </p:cNvPr>
+          <p:cNvPicPr>
+            <a:picLocks noChangeAspect="1"/>
+          </p:cNvPicPr>
+          <p:nvPr/>
+        </p:nvPicPr>
+        <p:blipFill rotWithShape="1">
+          <a:blip r:embed="rId4"/>
+          <a:srcRect r="879"/>
+          <a:stretch/>
+        </p:blipFill>
+        <p:spPr>
+          <a:xfrm>
+            <a:off x="3409575" y="4347876"/>
+            <a:ext cx="5372850" cy="581106"/>
+          </a:xfrm>
+          <a:prstGeom prst="rect">
+            <a:avLst/>
+          </a:prstGeom>
+        </p:spPr>
+      </p:pic>
+      <p:pic>
+        <p:nvPicPr>
+          <p:cNvPr id="8" name="Picture 7">
+            <a:extLst>
+              <a:ext uri="{FF2B5EF4-FFF2-40B4-BE49-F238E27FC236}">
+                <a16:creationId xmlns:a16="http://schemas.microsoft.com/office/drawing/2014/main" id="{C077360F-7B90-44EA-BBDD-28158EA17F52}"/>
+              </a:ext>
+            </a:extLst>
+          </p:cNvPr>
+          <p:cNvPicPr>
+            <a:picLocks noChangeAspect="1"/>
+          </p:cNvPicPr>
+          <p:nvPr/>
+        </p:nvPicPr>
+        <p:blipFill>
+          <a:blip r:embed="rId2"/>
+          <a:stretch>
+            <a:fillRect/>
+          </a:stretch>
+        </p:blipFill>
+        <p:spPr>
+          <a:xfrm>
+            <a:off x="3409575" y="5305751"/>
+            <a:ext cx="5372850" cy="543001"/>
+          </a:xfrm>
+          <a:prstGeom prst="rect">
+            <a:avLst/>
+          </a:prstGeom>
+        </p:spPr>
+      </p:pic>
+      <p:sp>
+        <p:nvSpPr>
+          <p:cNvPr id="9" name="Rectangle: Rounded Corners 8">
+            <a:extLst>
+              <a:ext uri="{FF2B5EF4-FFF2-40B4-BE49-F238E27FC236}">
+                <a16:creationId xmlns:a16="http://schemas.microsoft.com/office/drawing/2014/main" id="{398FA690-1A50-4990-9579-B5E0CF217934}"/>
+              </a:ext>
+            </a:extLst>
+          </p:cNvPr>
+          <p:cNvSpPr/>
+          <p:nvPr/>
+        </p:nvSpPr>
+        <p:spPr>
+          <a:xfrm>
+            <a:off x="4091596" y="6058892"/>
+            <a:ext cx="3899465" cy="655983"/>
+          </a:xfrm>
+          <a:prstGeom prst="roundRect">
+            <a:avLst/>
+          </a:prstGeom>
+        </p:spPr>
+        <p:style>
+          <a:lnRef idx="1">
+            <a:schemeClr val="dk1"/>
+          </a:lnRef>
+          <a:fillRef idx="3">
+            <a:schemeClr val="dk1"/>
+          </a:fillRef>
+          <a:effectRef idx="2">
+            <a:schemeClr val="dk1"/>
+          </a:effectRef>
+          <a:fontRef idx="minor">
+            <a:schemeClr val="lt1"/>
+          </a:fontRef>
+        </p:style>
+        <p:txBody>
+          <a:bodyPr rtlCol="0" anchor="ctr"/>
+          <a:lstStyle/>
+          <a:p>
+            <a:pPr algn="ctr"/>
+            <a:endParaRPr lang="en-US"/>
+          </a:p>
+        </p:txBody>
+      </p:sp>
+      <p:sp>
+        <p:nvSpPr>
+          <p:cNvPr id="10" name="Rectangle 9">
+            <a:extLst>
+              <a:ext uri="{FF2B5EF4-FFF2-40B4-BE49-F238E27FC236}">
+                <a16:creationId xmlns:a16="http://schemas.microsoft.com/office/drawing/2014/main" id="{DDEE46BB-A7DD-4F12-BE30-3C10F4488B54}"/>
+              </a:ext>
+            </a:extLst>
+          </p:cNvPr>
+          <p:cNvSpPr/>
+          <p:nvPr/>
+        </p:nvSpPr>
+        <p:spPr>
+          <a:xfrm>
+            <a:off x="5311170" y="6094495"/>
+            <a:ext cx="1569660" cy="584775"/>
+          </a:xfrm>
+          <a:prstGeom prst="rect">
+            <a:avLst/>
+          </a:prstGeom>
+          <a:noFill/>
+        </p:spPr>
+        <p:txBody>
+          <a:bodyPr wrap="none" lIns="91440" tIns="45720" rIns="91440" bIns="45720">
+            <a:spAutoFit/>
+          </a:bodyPr>
+          <a:lstStyle/>
+          <a:p>
+            <a:pPr algn="ctr"/>
+            <a:r>
+              <a:rPr lang="en-US" sz="3200" b="1" cap="none" spc="0" dirty="0">
+                <a:ln w="0"/>
+                <a:effectLst/>
+              </a:rPr>
+              <a:t>SPACE</a:t>
+            </a:r>
+          </a:p>
+        </p:txBody>
+      </p:sp>
+      <p:cxnSp>
+        <p:nvCxnSpPr>
+          <p:cNvPr id="12" name="Straight Arrow Connector 11">
+            <a:extLst>
+              <a:ext uri="{FF2B5EF4-FFF2-40B4-BE49-F238E27FC236}">
+                <a16:creationId xmlns:a16="http://schemas.microsoft.com/office/drawing/2014/main" id="{E93FE520-4F8F-4596-BC6B-DD995AD1F54D}"/>
+              </a:ext>
+            </a:extLst>
+          </p:cNvPr>
+          <p:cNvCxnSpPr/>
+          <p:nvPr/>
+        </p:nvCxnSpPr>
+        <p:spPr>
+          <a:xfrm>
+            <a:off x="3737113" y="3220278"/>
+            <a:ext cx="4468633" cy="0"/>
+          </a:xfrm>
+          <a:prstGeom prst="straightConnector1">
+            <a:avLst/>
+          </a:prstGeom>
+          <a:ln>
+            <a:tailEnd type="triangle"/>
+          </a:ln>
+        </p:spPr>
+        <p:style>
+          <a:lnRef idx="2">
+            <a:schemeClr val="accent6"/>
+          </a:lnRef>
+          <a:fillRef idx="0">
+            <a:schemeClr val="accent6"/>
+          </a:fillRef>
+          <a:effectRef idx="1">
+            <a:schemeClr val="accent6"/>
+          </a:effectRef>
+          <a:fontRef idx="minor">
+            <a:schemeClr val="tx1"/>
+          </a:fontRef>
+        </p:style>
+      </p:cxnSp>
+      <p:cxnSp>
+        <p:nvCxnSpPr>
+          <p:cNvPr id="13" name="Straight Arrow Connector 12">
+            <a:extLst>
+              <a:ext uri="{FF2B5EF4-FFF2-40B4-BE49-F238E27FC236}">
+                <a16:creationId xmlns:a16="http://schemas.microsoft.com/office/drawing/2014/main" id="{0D332256-1B63-4B19-9315-BF613662E665}"/>
+              </a:ext>
+            </a:extLst>
+          </p:cNvPr>
+          <p:cNvCxnSpPr>
+            <a:cxnSpLocks/>
+          </p:cNvCxnSpPr>
+          <p:nvPr/>
+        </p:nvCxnSpPr>
+        <p:spPr>
+          <a:xfrm flipH="1">
+            <a:off x="3737113" y="5114014"/>
+            <a:ext cx="4468634" cy="0"/>
+          </a:xfrm>
+          <a:prstGeom prst="straightConnector1">
+            <a:avLst/>
+          </a:prstGeom>
+          <a:ln>
+            <a:tailEnd type="triangle"/>
+          </a:ln>
+        </p:spPr>
+        <p:style>
+          <a:lnRef idx="2">
+            <a:schemeClr val="accent6"/>
+          </a:lnRef>
+          <a:fillRef idx="0">
+            <a:schemeClr val="accent6"/>
+          </a:fillRef>
+          <a:effectRef idx="1">
+            <a:schemeClr val="accent6"/>
+          </a:effectRef>
+          <a:fontRef idx="minor">
+            <a:schemeClr val="tx1"/>
+          </a:fontRef>
+        </p:style>
+      </p:cxnSp>
+      <p:cxnSp>
+        <p:nvCxnSpPr>
+          <p:cNvPr id="14" name="Straight Arrow Connector 13">
+            <a:extLst>
+              <a:ext uri="{FF2B5EF4-FFF2-40B4-BE49-F238E27FC236}">
+                <a16:creationId xmlns:a16="http://schemas.microsoft.com/office/drawing/2014/main" id="{F62F4A2D-EF86-4577-830D-D659B944C844}"/>
+              </a:ext>
+            </a:extLst>
+          </p:cNvPr>
+          <p:cNvCxnSpPr/>
+          <p:nvPr/>
+        </p:nvCxnSpPr>
+        <p:spPr>
+          <a:xfrm>
+            <a:off x="3737112" y="4129377"/>
+            <a:ext cx="4468633" cy="0"/>
+          </a:xfrm>
+          <a:prstGeom prst="straightConnector1">
+            <a:avLst/>
+          </a:prstGeom>
+          <a:ln>
+            <a:tailEnd type="triangle"/>
+          </a:ln>
+        </p:spPr>
+        <p:style>
+          <a:lnRef idx="2">
+            <a:schemeClr val="accent6"/>
+          </a:lnRef>
+          <a:fillRef idx="0">
+            <a:schemeClr val="accent6"/>
+          </a:fillRef>
+          <a:effectRef idx="1">
+            <a:schemeClr val="accent6"/>
+          </a:effectRef>
+          <a:fontRef idx="minor">
+            <a:schemeClr val="tx1"/>
+          </a:fontRef>
+        </p:style>
+      </p:cxnSp>
     </p:spTree>
     <p:extLst>
       <p:ext uri="{BB962C8B-B14F-4D97-AF65-F5344CB8AC3E}">
@@ -4996,31 +5624,6 @@
       </p:grpSpPr>
       <p:sp>
         <p:nvSpPr>
-          <p:cNvPr id="2" name="Text Placeholder 1">
-            <a:extLst>
-              <a:ext uri="{FF2B5EF4-FFF2-40B4-BE49-F238E27FC236}">
-                <a16:creationId xmlns:a16="http://schemas.microsoft.com/office/drawing/2014/main" id="{35901BA2-778D-4F14-ABB3-D8EC7BA447C4}"/>
-              </a:ext>
-            </a:extLst>
-          </p:cNvPr>
-          <p:cNvSpPr>
-            <a:spLocks noGrp="1"/>
-          </p:cNvSpPr>
-          <p:nvPr>
-            <p:ph type="body" sz="quarter" idx="13"/>
-          </p:nvPr>
-        </p:nvSpPr>
-        <p:spPr/>
-        <p:txBody>
-          <a:bodyPr/>
-          <a:lstStyle/>
-          <a:p>
-            <a:endParaRPr lang="en-US"/>
-          </a:p>
-        </p:txBody>
-      </p:sp>
-      <p:sp>
-        <p:nvSpPr>
           <p:cNvPr id="3" name="Text Placeholder 2">
             <a:extLst>
               <a:ext uri="{FF2B5EF4-FFF2-40B4-BE49-F238E27FC236}">
@@ -5081,6 +5684,36 @@
           </a:p>
         </p:txBody>
       </p:sp>
+      <p:pic>
+        <p:nvPicPr>
+          <p:cNvPr id="5" name="Picture 4">
+            <a:extLst>
+              <a:ext uri="{FF2B5EF4-FFF2-40B4-BE49-F238E27FC236}">
+                <a16:creationId xmlns:a16="http://schemas.microsoft.com/office/drawing/2014/main" id="{F7705A68-F5E5-48DC-95CC-49D07A901B2A}"/>
+              </a:ext>
+            </a:extLst>
+          </p:cNvPr>
+          <p:cNvPicPr>
+            <a:picLocks noChangeAspect="1"/>
+          </p:cNvPicPr>
+          <p:nvPr/>
+        </p:nvPicPr>
+        <p:blipFill>
+          <a:blip r:embed="rId2"/>
+          <a:stretch>
+            <a:fillRect/>
+          </a:stretch>
+        </p:blipFill>
+        <p:spPr>
+          <a:xfrm>
+            <a:off x="3604931" y="2850704"/>
+            <a:ext cx="4982137" cy="2914082"/>
+          </a:xfrm>
+          <a:prstGeom prst="rect">
+            <a:avLst/>
+          </a:prstGeom>
+        </p:spPr>
+      </p:pic>
     </p:spTree>
     <p:extLst>
       <p:ext uri="{BB962C8B-B14F-4D97-AF65-F5344CB8AC3E}">
